--- a/Reto/Parte2/Presentacion Ejecutiva Reto2.pptx
+++ b/Reto/Parte2/Presentacion Ejecutiva Reto2.pptx
@@ -123,6 +123,22 @@
       </a:defRPr>
     </a:lvl9pPr>
   </p:defaultTextStyle>
+  <p:extLst>
+    <p:ext uri="{EFAFB233-063F-42B5-8137-9DF3F51BA10A}">
+      <p15:sldGuideLst xmlns:p15="http://schemas.microsoft.com/office/powerpoint/2012/main">
+        <p15:guide id="1" orient="horz" pos="2160">
+          <p15:clr>
+            <a:srgbClr val="A4A3A4"/>
+          </p15:clr>
+        </p15:guide>
+        <p15:guide id="2" pos="3840">
+          <p15:clr>
+            <a:srgbClr val="A4A3A4"/>
+          </p15:clr>
+        </p15:guide>
+      </p15:sldGuideLst>
+    </p:ext>
+  </p:extLst>
 </p:presentation>
 </file>
 
@@ -135,9 +151,9 @@
 </file>
 
 <file path=ppt/charts/chart1.xml><?xml version="1.0" encoding="utf-8"?>
-<c:chartSpace xmlns:c="http://schemas.openxmlformats.org/drawingml/2006/chart" xmlns:a="http://schemas.openxmlformats.org/drawingml/2006/main" xmlns:r="http://schemas.openxmlformats.org/officeDocument/2006/relationships">
+<c:chartSpace xmlns:c="http://schemas.openxmlformats.org/drawingml/2006/chart" xmlns:a="http://schemas.openxmlformats.org/drawingml/2006/main" xmlns:r="http://schemas.openxmlformats.org/officeDocument/2006/relationships" xmlns:c16r2="http://schemas.microsoft.com/office/drawing/2015/06/chart">
   <c:date1904 val="0"/>
-  <c:lang val="en-US"/>
+  <c:lang val="es-MX"/>
   <c:roundedCorners val="0"/>
   <mc:AlternateContent xmlns:mc="http://schemas.openxmlformats.org/markup-compatibility/2006">
     <mc:Choice xmlns:c14="http://schemas.microsoft.com/office/drawing/2007/8/2/chart" Requires="c14">
@@ -149,7 +165,6 @@
   </mc:AlternateContent>
   <c:chart>
     <c:title>
-      <c:layout/>
       <c:overlay val="0"/>
       <c:spPr>
         <a:noFill/>
@@ -172,7 +187,7 @@
               <a:cs typeface="+mn-cs"/>
             </a:defRPr>
           </a:pPr>
-          <a:endParaRPr lang="en-US"/>
+          <a:endParaRPr lang="es-MX"/>
         </a:p>
       </c:txPr>
     </c:title>
@@ -209,10 +224,20 @@
           <c:dPt>
             <c:idx val="0"/>
             <c:bubble3D val="0"/>
+            <c:extLst>
+              <c:ext xmlns:c16="http://schemas.microsoft.com/office/drawing/2014/chart" uri="{C3380CC4-5D6E-409C-BE32-E72D297353CC}">
+                <c16:uniqueId val="{00000000-C53A-1D4C-9526-85E7B04F3657}"/>
+              </c:ext>
+            </c:extLst>
           </c:dPt>
           <c:dPt>
             <c:idx val="1"/>
             <c:bubble3D val="0"/>
+            <c:extLst>
+              <c:ext xmlns:c16="http://schemas.microsoft.com/office/drawing/2014/chart" uri="{C3380CC4-5D6E-409C-BE32-E72D297353CC}">
+                <c16:uniqueId val="{00000001-C53A-1D4C-9526-85E7B04F3657}"/>
+              </c:ext>
+            </c:extLst>
           </c:dPt>
           <c:dLbls>
             <c:spPr>
@@ -238,7 +263,7 @@
                     <a:cs typeface="+mn-cs"/>
                   </a:defRPr>
                 </a:pPr>
-                <a:endParaRPr lang="en-US"/>
+                <a:endParaRPr lang="es-MX"/>
               </a:p>
             </c:txPr>
             <c:dLblPos val="inEnd"/>
@@ -262,7 +287,7 @@
                 <a:effectLst/>
               </c:spPr>
             </c:leaderLines>
-            <c:extLst xmlns:c16r2="http://schemas.microsoft.com/office/drawing/2015/06/chart">
+            <c:extLst>
               <c:ext xmlns:c15="http://schemas.microsoft.com/office/drawing/2012/chart" uri="{CE6537A1-D6FC-4f65-9D91-7224C49458BB}"/>
             </c:extLst>
           </c:dLbls>
@@ -295,7 +320,7 @@
               </c:numCache>
             </c:numRef>
           </c:val>
-          <c:extLst xmlns:c16r2="http://schemas.microsoft.com/office/drawing/2015/06/chart">
+          <c:extLst>
             <c:ext xmlns:c16="http://schemas.microsoft.com/office/drawing/2014/chart" uri="{C3380CC4-5D6E-409C-BE32-E72D297353CC}">
               <c16:uniqueId val="{00000000-3BCB-1648-B450-6BC7A53D4DC8}"/>
             </c:ext>
@@ -323,14 +348,14 @@
     </c:plotArea>
     <c:plotVisOnly val="1"/>
     <c:dispBlanksAs val="gap"/>
-    <c:showDLblsOverMax val="0"/>
-    <c:extLst xmlns:c16r2="http://schemas.microsoft.com/office/drawing/2015/06/chart">
+    <c:extLst>
       <c:ext xmlns:c16r3="http://schemas.microsoft.com/office/drawing/2017/03/chart" uri="{56B9EC1D-385E-4148-901F-78D8002777C0}">
         <c16r3:dataDisplayOptions16>
           <c16r3:dispNaAsBlank val="1"/>
         </c16r3:dataDisplayOptions16>
       </c:ext>
     </c:extLst>
+    <c:showDLblsOverMax val="0"/>
   </c:chart>
   <c:spPr>
     <a:solidFill>
@@ -351,577 +376,13 @@
       <a:pPr>
         <a:defRPr/>
       </a:pPr>
-      <a:endParaRPr lang="en-US"/>
+      <a:endParaRPr lang="es-MX"/>
     </a:p>
   </c:txPr>
   <c:externalData r:id="rId1">
     <c:autoUpdate val="0"/>
   </c:externalData>
 </c:chartSpace>
-</file>
-
-<file path=ppt/charts/colors1.xml><?xml version="1.0" encoding="utf-8"?>
-<cs:colorStyle xmlns:cs="http://schemas.microsoft.com/office/drawing/2012/chartStyle" xmlns:a="http://schemas.openxmlformats.org/drawingml/2006/main" meth="cycle" id="10">
-  <a:schemeClr val="accent1"/>
-  <a:schemeClr val="accent2"/>
-  <a:schemeClr val="accent3"/>
-  <a:schemeClr val="accent4"/>
-  <a:schemeClr val="accent5"/>
-  <a:schemeClr val="accent6"/>
-  <cs:variation/>
-  <cs:variation>
-    <a:lumMod val="60000"/>
-  </cs:variation>
-  <cs:variation>
-    <a:lumMod val="80000"/>
-    <a:lumOff val="20000"/>
-  </cs:variation>
-  <cs:variation>
-    <a:lumMod val="80000"/>
-  </cs:variation>
-  <cs:variation>
-    <a:lumMod val="60000"/>
-    <a:lumOff val="40000"/>
-  </cs:variation>
-  <cs:variation>
-    <a:lumMod val="50000"/>
-  </cs:variation>
-  <cs:variation>
-    <a:lumMod val="70000"/>
-    <a:lumOff val="30000"/>
-  </cs:variation>
-  <cs:variation>
-    <a:lumMod val="70000"/>
-  </cs:variation>
-  <cs:variation>
-    <a:lumMod val="50000"/>
-    <a:lumOff val="50000"/>
-  </cs:variation>
-</cs:colorStyle>
-</file>
-
-<file path=ppt/charts/style1.xml><?xml version="1.0" encoding="utf-8"?>
-<cs:chartStyle xmlns:cs="http://schemas.microsoft.com/office/drawing/2012/chartStyle" xmlns:a="http://schemas.openxmlformats.org/drawingml/2006/main" id="260">
-  <cs:axisTitle>
-    <cs:lnRef idx="0"/>
-    <cs:fillRef idx="0"/>
-    <cs:effectRef idx="0"/>
-    <cs:fontRef idx="minor">
-      <a:schemeClr val="lt1"/>
-    </cs:fontRef>
-    <cs:defRPr sz="1197" b="1" kern="1200"/>
-  </cs:axisTitle>
-  <cs:categoryAxis>
-    <cs:lnRef idx="0">
-      <cs:styleClr val="0"/>
-    </cs:lnRef>
-    <cs:fillRef idx="0"/>
-    <cs:effectRef idx="0"/>
-    <cs:fontRef idx="minor">
-      <a:schemeClr val="lt1"/>
-    </cs:fontRef>
-    <cs:spPr>
-      <a:ln w="3175" cap="flat" cmpd="sng" algn="ctr">
-        <a:solidFill>
-          <a:schemeClr val="phClr">
-            <a:lumMod val="60000"/>
-            <a:lumOff val="40000"/>
-          </a:schemeClr>
-        </a:solidFill>
-        <a:round/>
-      </a:ln>
-    </cs:spPr>
-    <cs:defRPr sz="1064" kern="1200" cap="all" spc="150" normalizeH="0" baseline="0"/>
-  </cs:categoryAxis>
-  <cs:chartArea>
-    <cs:lnRef idx="0">
-      <cs:styleClr val="0"/>
-    </cs:lnRef>
-    <cs:fillRef idx="0">
-      <cs:styleClr val="0"/>
-    </cs:fillRef>
-    <cs:effectRef idx="0"/>
-    <cs:fontRef idx="minor">
-      <a:schemeClr val="dk1"/>
-    </cs:fontRef>
-    <cs:spPr>
-      <a:solidFill>
-        <a:schemeClr val="phClr"/>
-      </a:solidFill>
-      <a:ln w="9525" cap="flat" cmpd="sng" algn="ctr">
-        <a:solidFill>
-          <a:schemeClr val="phClr"/>
-        </a:solidFill>
-        <a:round/>
-      </a:ln>
-    </cs:spPr>
-    <cs:defRPr sz="1330" kern="1200"/>
-  </cs:chartArea>
-  <cs:dataLabel>
-    <cs:lnRef idx="0">
-      <cs:styleClr val="0"/>
-    </cs:lnRef>
-    <cs:fillRef idx="0"/>
-    <cs:effectRef idx="0"/>
-    <cs:fontRef idx="minor">
-      <cs:styleClr val="0"/>
-    </cs:fontRef>
-    <cs:defRPr sz="1197" b="1" kern="1200"/>
-  </cs:dataLabel>
-  <cs:dataLabelCallout>
-    <cs:lnRef idx="0">
-      <cs:styleClr val="0"/>
-    </cs:lnRef>
-    <cs:fillRef idx="0"/>
-    <cs:effectRef idx="0"/>
-    <cs:fontRef idx="minor">
-      <cs:styleClr val="0"/>
-    </cs:fontRef>
-    <cs:spPr>
-      <a:solidFill>
-        <a:schemeClr val="lt1"/>
-      </a:solidFill>
-      <a:ln>
-        <a:solidFill>
-          <a:schemeClr val="phClr"/>
-        </a:solidFill>
-      </a:ln>
-    </cs:spPr>
-    <cs:defRPr sz="1197" b="1" kern="1200"/>
-    <cs:bodyPr rot="0" spcFirstLastPara="1" vertOverflow="clip" horzOverflow="clip" vert="horz" wrap="square" lIns="36576" tIns="18288" rIns="36576" bIns="18288" anchor="ctr" anchorCtr="1">
-      <a:spAutoFit/>
-    </cs:bodyPr>
-  </cs:dataLabelCallout>
-  <cs:dataPoint>
-    <cs:lnRef idx="0">
-      <cs:styleClr val="0"/>
-    </cs:lnRef>
-    <cs:fillRef idx="0"/>
-    <cs:effectRef idx="0"/>
-    <cs:fontRef idx="minor">
-      <a:schemeClr val="dk1"/>
-    </cs:fontRef>
-    <cs:spPr>
-      <a:solidFill>
-        <a:schemeClr val="lt1"/>
-      </a:solidFill>
-      <a:ln w="19050">
-        <a:solidFill>
-          <a:schemeClr val="phClr"/>
-        </a:solidFill>
-      </a:ln>
-    </cs:spPr>
-  </cs:dataPoint>
-  <cs:dataPoint3D>
-    <cs:lnRef idx="0"/>
-    <cs:fillRef idx="0">
-      <cs:styleClr val="auto"/>
-    </cs:fillRef>
-    <cs:effectRef idx="0"/>
-    <cs:fontRef idx="minor">
-      <a:schemeClr val="dk1"/>
-    </cs:fontRef>
-    <cs:spPr>
-      <a:solidFill>
-        <a:schemeClr val="phClr"/>
-      </a:solidFill>
-    </cs:spPr>
-  </cs:dataPoint3D>
-  <cs:dataPointLine>
-    <cs:lnRef idx="0">
-      <cs:styleClr val="auto"/>
-    </cs:lnRef>
-    <cs:fillRef idx="0"/>
-    <cs:effectRef idx="0">
-      <cs:styleClr val="auto"/>
-    </cs:effectRef>
-    <cs:fontRef idx="minor">
-      <a:schemeClr val="dk1"/>
-    </cs:fontRef>
-    <cs:spPr>
-      <a:ln w="34925" cap="rnd">
-        <a:solidFill>
-          <a:schemeClr val="lt1"/>
-        </a:solidFill>
-        <a:round/>
-      </a:ln>
-      <a:effectLst>
-        <a:outerShdw dist="25400" dir="2700000" algn="tl" rotWithShape="0">
-          <a:schemeClr val="phClr"/>
-        </a:outerShdw>
-      </a:effectLst>
-    </cs:spPr>
-  </cs:dataPointLine>
-  <cs:dataPointMarker>
-    <cs:lnRef idx="0"/>
-    <cs:fillRef idx="0">
-      <cs:styleClr val="auto"/>
-    </cs:fillRef>
-    <cs:effectRef idx="0"/>
-    <cs:fontRef idx="minor">
-      <a:schemeClr val="dk1"/>
-    </cs:fontRef>
-    <cs:spPr>
-      <a:solidFill>
-        <a:schemeClr val="phClr"/>
-      </a:solidFill>
-      <a:ln w="22225">
-        <a:solidFill>
-          <a:schemeClr val="lt1"/>
-        </a:solidFill>
-        <a:round/>
-      </a:ln>
-    </cs:spPr>
-  </cs:dataPointMarker>
-  <cs:dataPointMarkerLayout symbol="circle" size="5"/>
-  <cs:dataPointWireframe>
-    <cs:lnRef idx="0">
-      <cs:styleClr val="auto"/>
-    </cs:lnRef>
-    <cs:fillRef idx="0"/>
-    <cs:effectRef idx="0"/>
-    <cs:fontRef idx="minor">
-      <a:schemeClr val="dk1"/>
-    </cs:fontRef>
-    <cs:spPr>
-      <a:ln w="9525" cap="rnd">
-        <a:solidFill>
-          <a:schemeClr val="phClr"/>
-        </a:solidFill>
-        <a:round/>
-      </a:ln>
-    </cs:spPr>
-  </cs:dataPointWireframe>
-  <cs:dataTable>
-    <cs:lnRef idx="0">
-      <cs:styleClr val="0"/>
-    </cs:lnRef>
-    <cs:fillRef idx="0"/>
-    <cs:effectRef idx="0"/>
-    <cs:fontRef idx="minor">
-      <a:schemeClr val="lt1"/>
-    </cs:fontRef>
-    <cs:spPr>
-      <a:ln w="9525">
-        <a:solidFill>
-          <a:schemeClr val="phClr">
-            <a:lumMod val="60000"/>
-            <a:lumOff val="40000"/>
-          </a:schemeClr>
-        </a:solidFill>
-      </a:ln>
-    </cs:spPr>
-    <cs:defRPr sz="1197" kern="1200"/>
-  </cs:dataTable>
-  <cs:downBar>
-    <cs:lnRef idx="0">
-      <cs:styleClr val="0"/>
-    </cs:lnRef>
-    <cs:fillRef idx="0"/>
-    <cs:effectRef idx="0"/>
-    <cs:fontRef idx="minor">
-      <a:schemeClr val="dk1"/>
-    </cs:fontRef>
-    <cs:spPr>
-      <a:solidFill>
-        <a:schemeClr val="dk1">
-          <a:lumMod val="35000"/>
-          <a:lumOff val="65000"/>
-        </a:schemeClr>
-      </a:solidFill>
-      <a:ln w="9525">
-        <a:solidFill>
-          <a:schemeClr val="phClr">
-            <a:lumMod val="60000"/>
-            <a:lumOff val="40000"/>
-          </a:schemeClr>
-        </a:solidFill>
-      </a:ln>
-    </cs:spPr>
-  </cs:downBar>
-  <cs:dropLine>
-    <cs:lnRef idx="0">
-      <cs:styleClr val="0"/>
-    </cs:lnRef>
-    <cs:fillRef idx="0"/>
-    <cs:effectRef idx="0"/>
-    <cs:fontRef idx="minor">
-      <a:schemeClr val="dk1"/>
-    </cs:fontRef>
-    <cs:spPr>
-      <a:ln w="9525">
-        <a:solidFill>
-          <a:schemeClr val="phClr">
-            <a:lumMod val="60000"/>
-            <a:lumOff val="40000"/>
-          </a:schemeClr>
-        </a:solidFill>
-        <a:prstDash val="dash"/>
-      </a:ln>
-    </cs:spPr>
-  </cs:dropLine>
-  <cs:errorBar>
-    <cs:lnRef idx="0">
-      <cs:styleClr val="0"/>
-    </cs:lnRef>
-    <cs:fillRef idx="0"/>
-    <cs:effectRef idx="0"/>
-    <cs:fontRef idx="minor">
-      <a:schemeClr val="dk1"/>
-    </cs:fontRef>
-    <cs:spPr>
-      <a:ln w="9525">
-        <a:solidFill>
-          <a:schemeClr val="phClr">
-            <a:lumMod val="60000"/>
-            <a:lumOff val="40000"/>
-          </a:schemeClr>
-        </a:solidFill>
-        <a:round/>
-      </a:ln>
-      <a:effectLst>
-        <a:glow rad="25400">
-          <a:schemeClr val="lt1"/>
-        </a:glow>
-      </a:effectLst>
-    </cs:spPr>
-  </cs:errorBar>
-  <cs:floor>
-    <cs:lnRef idx="0"/>
-    <cs:fillRef idx="0"/>
-    <cs:effectRef idx="0"/>
-    <cs:fontRef idx="minor">
-      <a:schemeClr val="dk1"/>
-    </cs:fontRef>
-  </cs:floor>
-  <cs:gridlineMajor>
-    <cs:lnRef idx="0">
-      <cs:styleClr val="0"/>
-    </cs:lnRef>
-    <cs:fillRef idx="0"/>
-    <cs:effectRef idx="0"/>
-    <cs:fontRef idx="minor">
-      <a:schemeClr val="dk1"/>
-    </cs:fontRef>
-    <cs:spPr>
-      <a:ln w="9525" cap="flat" cmpd="sng" algn="ctr">
-        <a:solidFill>
-          <a:schemeClr val="lt1">
-            <a:alpha val="25000"/>
-          </a:schemeClr>
-        </a:solidFill>
-        <a:round/>
-      </a:ln>
-    </cs:spPr>
-  </cs:gridlineMajor>
-  <cs:gridlineMinor>
-    <cs:lnRef idx="0">
-      <cs:styleClr val="0"/>
-    </cs:lnRef>
-    <cs:fillRef idx="0"/>
-    <cs:effectRef idx="0"/>
-    <cs:fontRef idx="minor">
-      <a:schemeClr val="dk1"/>
-    </cs:fontRef>
-    <cs:spPr>
-      <a:ln>
-        <a:solidFill>
-          <a:schemeClr val="lt1">
-            <a:alpha val="10000"/>
-          </a:schemeClr>
-        </a:solidFill>
-      </a:ln>
-    </cs:spPr>
-  </cs:gridlineMinor>
-  <cs:hiLoLine>
-    <cs:lnRef idx="0">
-      <cs:styleClr val="0"/>
-    </cs:lnRef>
-    <cs:fillRef idx="0"/>
-    <cs:effectRef idx="0"/>
-    <cs:fontRef idx="minor">
-      <a:schemeClr val="dk1"/>
-    </cs:fontRef>
-    <cs:spPr>
-      <a:ln w="9525">
-        <a:solidFill>
-          <a:schemeClr val="phClr">
-            <a:lumMod val="60000"/>
-            <a:lumOff val="40000"/>
-          </a:schemeClr>
-        </a:solidFill>
-        <a:prstDash val="dash"/>
-      </a:ln>
-    </cs:spPr>
-  </cs:hiLoLine>
-  <cs:leaderLine>
-    <cs:lnRef idx="0">
-      <cs:styleClr val="0"/>
-    </cs:lnRef>
-    <cs:fillRef idx="0"/>
-    <cs:effectRef idx="0"/>
-    <cs:fontRef idx="minor">
-      <a:schemeClr val="dk1"/>
-    </cs:fontRef>
-    <cs:spPr>
-      <a:ln w="9525">
-        <a:solidFill>
-          <a:schemeClr val="phClr">
-            <a:lumMod val="60000"/>
-            <a:lumOff val="40000"/>
-          </a:schemeClr>
-        </a:solidFill>
-      </a:ln>
-    </cs:spPr>
-  </cs:leaderLine>
-  <cs:legend>
-    <cs:lnRef idx="0"/>
-    <cs:fillRef idx="0"/>
-    <cs:effectRef idx="0"/>
-    <cs:fontRef idx="minor">
-      <a:schemeClr val="lt1"/>
-    </cs:fontRef>
-    <cs:defRPr sz="1197" kern="1200"/>
-  </cs:legend>
-  <cs:plotArea>
-    <cs:lnRef idx="0"/>
-    <cs:fillRef idx="0"/>
-    <cs:effectRef idx="0"/>
-    <cs:fontRef idx="minor">
-      <a:schemeClr val="dk1"/>
-    </cs:fontRef>
-  </cs:plotArea>
-  <cs:plotArea3D>
-    <cs:lnRef idx="0"/>
-    <cs:fillRef idx="0"/>
-    <cs:effectRef idx="0"/>
-    <cs:fontRef idx="minor">
-      <a:schemeClr val="dk1"/>
-    </cs:fontRef>
-  </cs:plotArea3D>
-  <cs:seriesAxis>
-    <cs:lnRef idx="0">
-      <cs:styleClr val="0"/>
-    </cs:lnRef>
-    <cs:fillRef idx="0"/>
-    <cs:effectRef idx="0"/>
-    <cs:fontRef idx="minor">
-      <a:schemeClr val="lt1"/>
-    </cs:fontRef>
-    <cs:spPr>
-      <a:ln w="3175" cap="flat" cmpd="sng" algn="ctr">
-        <a:solidFill>
-          <a:schemeClr val="phClr">
-            <a:lumMod val="60000"/>
-            <a:lumOff val="40000"/>
-          </a:schemeClr>
-        </a:solidFill>
-        <a:round/>
-      </a:ln>
-    </cs:spPr>
-    <cs:defRPr sz="1197" kern="1200"/>
-  </cs:seriesAxis>
-  <cs:seriesLine>
-    <cs:lnRef idx="0">
-      <cs:styleClr val="0"/>
-    </cs:lnRef>
-    <cs:fillRef idx="0"/>
-    <cs:effectRef idx="0"/>
-    <cs:fontRef idx="minor">
-      <a:schemeClr val="dk1"/>
-    </cs:fontRef>
-    <cs:spPr>
-      <a:ln w="9525">
-        <a:solidFill>
-          <a:schemeClr val="phClr">
-            <a:lumMod val="60000"/>
-            <a:lumOff val="40000"/>
-            <a:tint val="50000"/>
-          </a:schemeClr>
-        </a:solidFill>
-        <a:prstDash val="dash"/>
-      </a:ln>
-    </cs:spPr>
-  </cs:seriesLine>
-  <cs:title>
-    <cs:lnRef idx="0"/>
-    <cs:fillRef idx="0"/>
-    <cs:effectRef idx="0"/>
-    <cs:fontRef idx="minor">
-      <a:schemeClr val="lt1"/>
-    </cs:fontRef>
-    <cs:defRPr sz="1995" b="1" kern="1200" cap="all" spc="100" normalizeH="0" baseline="0"/>
-  </cs:title>
-  <cs:trendline>
-    <cs:lnRef idx="0"/>
-    <cs:fillRef idx="0"/>
-    <cs:effectRef idx="0"/>
-    <cs:fontRef idx="minor">
-      <a:schemeClr val="dk1"/>
-    </cs:fontRef>
-    <cs:spPr>
-      <a:ln w="28575" cap="rnd">
-        <a:solidFill>
-          <a:schemeClr val="lt1">
-            <a:alpha val="50000"/>
-          </a:schemeClr>
-        </a:solidFill>
-        <a:round/>
-      </a:ln>
-    </cs:spPr>
-  </cs:trendline>
-  <cs:trendlineLabel>
-    <cs:lnRef idx="0"/>
-    <cs:fillRef idx="0"/>
-    <cs:effectRef idx="0"/>
-    <cs:fontRef idx="minor">
-      <a:schemeClr val="lt1"/>
-    </cs:fontRef>
-    <cs:defRPr sz="1197" kern="1200"/>
-  </cs:trendlineLabel>
-  <cs:upBar>
-    <cs:lnRef idx="0">
-      <cs:styleClr val="0"/>
-    </cs:lnRef>
-    <cs:fillRef idx="0"/>
-    <cs:effectRef idx="0"/>
-    <cs:fontRef idx="minor">
-      <a:schemeClr val="dk1"/>
-    </cs:fontRef>
-    <cs:spPr>
-      <a:solidFill>
-        <a:schemeClr val="lt1">
-          <a:lumMod val="95000"/>
-        </a:schemeClr>
-      </a:solidFill>
-      <a:ln w="9525">
-        <a:solidFill>
-          <a:schemeClr val="phClr">
-            <a:lumMod val="60000"/>
-            <a:lumOff val="40000"/>
-          </a:schemeClr>
-        </a:solidFill>
-      </a:ln>
-    </cs:spPr>
-  </cs:upBar>
-  <cs:valueAxis>
-    <cs:lnRef idx="0"/>
-    <cs:fillRef idx="0"/>
-    <cs:effectRef idx="0"/>
-    <cs:fontRef idx="minor">
-      <a:schemeClr val="lt1"/>
-    </cs:fontRef>
-    <cs:defRPr sz="1197" kern="1200"/>
-  </cs:valueAxis>
-  <cs:wall>
-    <cs:lnRef idx="0"/>
-    <cs:fillRef idx="0"/>
-    <cs:effectRef idx="0"/>
-    <cs:fontRef idx="minor">
-      <a:schemeClr val="dk1"/>
-    </cs:fontRef>
-  </cs:wall>
-</cs:chartStyle>
 </file>
 
 <file path=ppt/slideLayouts/slideLayout1.xml><?xml version="1.0" encoding="utf-8"?>
@@ -946,7 +407,7 @@
           <p:cNvPr id="2" name="Title 1">
             <a:extLst>
               <a:ext uri="{FF2B5EF4-FFF2-40B4-BE49-F238E27FC236}">
-                <a16:creationId xmlns:a16="http://schemas.microsoft.com/office/drawing/2014/main" xmlns="" id="{F15756FB-E05E-443F-88A1-CFC90638997C}"/>
+                <a16:creationId xmlns:a16="http://schemas.microsoft.com/office/drawing/2014/main" id="{F15756FB-E05E-443F-88A1-CFC90638997C}"/>
               </a:ext>
             </a:extLst>
           </p:cNvPr>
@@ -985,7 +446,7 @@
           <p:cNvPr id="3" name="Subtitle 2">
             <a:extLst>
               <a:ext uri="{FF2B5EF4-FFF2-40B4-BE49-F238E27FC236}">
-                <a16:creationId xmlns:a16="http://schemas.microsoft.com/office/drawing/2014/main" xmlns="" id="{3C5DA97A-281B-4A77-9D2C-C5E6A860E645}"/>
+                <a16:creationId xmlns:a16="http://schemas.microsoft.com/office/drawing/2014/main" id="{3C5DA97A-281B-4A77-9D2C-C5E6A860E645}"/>
               </a:ext>
             </a:extLst>
           </p:cNvPr>
@@ -1057,7 +518,7 @@
           <p:cNvPr id="4" name="Date Placeholder 3">
             <a:extLst>
               <a:ext uri="{FF2B5EF4-FFF2-40B4-BE49-F238E27FC236}">
-                <a16:creationId xmlns:a16="http://schemas.microsoft.com/office/drawing/2014/main" xmlns="" id="{A5FD7BAE-E194-4223-BB4E-5E487863F5BE}"/>
+                <a16:creationId xmlns:a16="http://schemas.microsoft.com/office/drawing/2014/main" id="{A5FD7BAE-E194-4223-BB4E-5E487863F5BE}"/>
               </a:ext>
             </a:extLst>
           </p:cNvPr>
@@ -1075,7 +536,7 @@
           <a:p>
             <a:fld id="{8C28A28C-4C6A-46EA-90C0-4EE0B89CC5C7}" type="datetimeFigureOut">
               <a:rPr lang="en-US" smtClean="0"/>
-              <a:t>11/18/2022</a:t>
+              <a:t>11/18/22</a:t>
             </a:fld>
             <a:endParaRPr lang="en-US" dirty="0"/>
           </a:p>
@@ -1086,7 +547,7 @@
           <p:cNvPr id="5" name="Footer Placeholder 4">
             <a:extLst>
               <a:ext uri="{FF2B5EF4-FFF2-40B4-BE49-F238E27FC236}">
-                <a16:creationId xmlns:a16="http://schemas.microsoft.com/office/drawing/2014/main" xmlns="" id="{9721F6C9-7279-4DF8-9462-3EFEFA03FB58}"/>
+                <a16:creationId xmlns:a16="http://schemas.microsoft.com/office/drawing/2014/main" id="{9721F6C9-7279-4DF8-9462-3EFEFA03FB58}"/>
               </a:ext>
             </a:extLst>
           </p:cNvPr>
@@ -1111,7 +572,7 @@
           <p:cNvPr id="6" name="Slide Number Placeholder 5">
             <a:extLst>
               <a:ext uri="{FF2B5EF4-FFF2-40B4-BE49-F238E27FC236}">
-                <a16:creationId xmlns:a16="http://schemas.microsoft.com/office/drawing/2014/main" xmlns="" id="{BC457072-0A38-49AD-8D0D-0E42DD488E4F}"/>
+                <a16:creationId xmlns:a16="http://schemas.microsoft.com/office/drawing/2014/main" id="{BC457072-0A38-49AD-8D0D-0E42DD488E4F}"/>
               </a:ext>
             </a:extLst>
           </p:cNvPr>
@@ -1129,7 +590,7 @@
           <a:p>
             <a:fld id="{5DEF7F31-0B8A-474A-B86C-91F381754329}" type="slidenum">
               <a:rPr lang="en-US" smtClean="0"/>
-              <a:t>‹#›</a:t>
+              <a:t>‹Nº›</a:t>
             </a:fld>
             <a:endParaRPr lang="en-US" dirty="0"/>
           </a:p>
@@ -1170,7 +631,7 @@
           <p:cNvPr id="2" name="Title 1">
             <a:extLst>
               <a:ext uri="{FF2B5EF4-FFF2-40B4-BE49-F238E27FC236}">
-                <a16:creationId xmlns:a16="http://schemas.microsoft.com/office/drawing/2014/main" xmlns="" id="{D4489E81-5CFF-4A28-B9C8-5D54E51DF202}"/>
+                <a16:creationId xmlns:a16="http://schemas.microsoft.com/office/drawing/2014/main" id="{D4489E81-5CFF-4A28-B9C8-5D54E51DF202}"/>
               </a:ext>
             </a:extLst>
           </p:cNvPr>
@@ -1198,7 +659,7 @@
           <p:cNvPr id="3" name="Vertical Text Placeholder 2">
             <a:extLst>
               <a:ext uri="{FF2B5EF4-FFF2-40B4-BE49-F238E27FC236}">
-                <a16:creationId xmlns:a16="http://schemas.microsoft.com/office/drawing/2014/main" xmlns="" id="{158A4CC8-DCB0-4E94-98A7-236E3D186679}"/>
+                <a16:creationId xmlns:a16="http://schemas.microsoft.com/office/drawing/2014/main" id="{158A4CC8-DCB0-4E94-98A7-236E3D186679}"/>
               </a:ext>
             </a:extLst>
           </p:cNvPr>
@@ -1255,7 +716,7 @@
           <p:cNvPr id="4" name="Date Placeholder 3">
             <a:extLst>
               <a:ext uri="{FF2B5EF4-FFF2-40B4-BE49-F238E27FC236}">
-                <a16:creationId xmlns:a16="http://schemas.microsoft.com/office/drawing/2014/main" xmlns="" id="{0DD1F802-21C2-44B2-A419-55469D826571}"/>
+                <a16:creationId xmlns:a16="http://schemas.microsoft.com/office/drawing/2014/main" id="{0DD1F802-21C2-44B2-A419-55469D826571}"/>
               </a:ext>
             </a:extLst>
           </p:cNvPr>
@@ -1273,7 +734,7 @@
           <a:p>
             <a:fld id="{8C28A28C-4C6A-46EA-90C0-4EE0B89CC5C7}" type="datetimeFigureOut">
               <a:rPr lang="en-US" smtClean="0"/>
-              <a:t>11/18/2022</a:t>
+              <a:t>11/18/22</a:t>
             </a:fld>
             <a:endParaRPr lang="en-US"/>
           </a:p>
@@ -1284,7 +745,7 @@
           <p:cNvPr id="5" name="Footer Placeholder 4">
             <a:extLst>
               <a:ext uri="{FF2B5EF4-FFF2-40B4-BE49-F238E27FC236}">
-                <a16:creationId xmlns:a16="http://schemas.microsoft.com/office/drawing/2014/main" xmlns="" id="{84BDB709-08FF-4C4A-8670-4CCA9146F944}"/>
+                <a16:creationId xmlns:a16="http://schemas.microsoft.com/office/drawing/2014/main" id="{84BDB709-08FF-4C4A-8670-4CCA9146F944}"/>
               </a:ext>
             </a:extLst>
           </p:cNvPr>
@@ -1309,7 +770,7 @@
           <p:cNvPr id="6" name="Slide Number Placeholder 5">
             <a:extLst>
               <a:ext uri="{FF2B5EF4-FFF2-40B4-BE49-F238E27FC236}">
-                <a16:creationId xmlns:a16="http://schemas.microsoft.com/office/drawing/2014/main" xmlns="" id="{75395375-1CC8-4950-8439-877451C4266D}"/>
+                <a16:creationId xmlns:a16="http://schemas.microsoft.com/office/drawing/2014/main" id="{75395375-1CC8-4950-8439-877451C4266D}"/>
               </a:ext>
             </a:extLst>
           </p:cNvPr>
@@ -1327,7 +788,7 @@
           <a:p>
             <a:fld id="{5DEF7F31-0B8A-474A-B86C-91F381754329}" type="slidenum">
               <a:rPr lang="en-US" smtClean="0"/>
-              <a:t>‹#›</a:t>
+              <a:t>‹Nº›</a:t>
             </a:fld>
             <a:endParaRPr lang="en-US"/>
           </a:p>
@@ -1368,7 +829,7 @@
           <p:cNvPr id="2" name="Vertical Title 1">
             <a:extLst>
               <a:ext uri="{FF2B5EF4-FFF2-40B4-BE49-F238E27FC236}">
-                <a16:creationId xmlns:a16="http://schemas.microsoft.com/office/drawing/2014/main" xmlns="" id="{ACE8BDF0-A155-454D-B3E2-AD15D0905A62}"/>
+                <a16:creationId xmlns:a16="http://schemas.microsoft.com/office/drawing/2014/main" id="{ACE8BDF0-A155-454D-B3E2-AD15D0905A62}"/>
               </a:ext>
             </a:extLst>
           </p:cNvPr>
@@ -1401,7 +862,7 @@
           <p:cNvPr id="3" name="Vertical Text Placeholder 2">
             <a:extLst>
               <a:ext uri="{FF2B5EF4-FFF2-40B4-BE49-F238E27FC236}">
-                <a16:creationId xmlns:a16="http://schemas.microsoft.com/office/drawing/2014/main" xmlns="" id="{07244E0D-96EC-4B35-BA5C-5DAFCC7281AE}"/>
+                <a16:creationId xmlns:a16="http://schemas.microsoft.com/office/drawing/2014/main" id="{07244E0D-96EC-4B35-BA5C-5DAFCC7281AE}"/>
               </a:ext>
             </a:extLst>
           </p:cNvPr>
@@ -1463,7 +924,7 @@
           <p:cNvPr id="4" name="Date Placeholder 3">
             <a:extLst>
               <a:ext uri="{FF2B5EF4-FFF2-40B4-BE49-F238E27FC236}">
-                <a16:creationId xmlns:a16="http://schemas.microsoft.com/office/drawing/2014/main" xmlns="" id="{A13ADC4E-9FB1-439F-B0FB-47F47B3421A7}"/>
+                <a16:creationId xmlns:a16="http://schemas.microsoft.com/office/drawing/2014/main" id="{A13ADC4E-9FB1-439F-B0FB-47F47B3421A7}"/>
               </a:ext>
             </a:extLst>
           </p:cNvPr>
@@ -1481,7 +942,7 @@
           <a:p>
             <a:fld id="{8C28A28C-4C6A-46EA-90C0-4EE0B89CC5C7}" type="datetimeFigureOut">
               <a:rPr lang="en-US" smtClean="0"/>
-              <a:t>11/18/2022</a:t>
+              <a:t>11/18/22</a:t>
             </a:fld>
             <a:endParaRPr lang="en-US"/>
           </a:p>
@@ -1492,7 +953,7 @@
           <p:cNvPr id="5" name="Footer Placeholder 4">
             <a:extLst>
               <a:ext uri="{FF2B5EF4-FFF2-40B4-BE49-F238E27FC236}">
-                <a16:creationId xmlns:a16="http://schemas.microsoft.com/office/drawing/2014/main" xmlns="" id="{637EE406-061A-4440-BA75-3B684FC84826}"/>
+                <a16:creationId xmlns:a16="http://schemas.microsoft.com/office/drawing/2014/main" id="{637EE406-061A-4440-BA75-3B684FC84826}"/>
               </a:ext>
             </a:extLst>
           </p:cNvPr>
@@ -1517,7 +978,7 @@
           <p:cNvPr id="6" name="Slide Number Placeholder 5">
             <a:extLst>
               <a:ext uri="{FF2B5EF4-FFF2-40B4-BE49-F238E27FC236}">
-                <a16:creationId xmlns:a16="http://schemas.microsoft.com/office/drawing/2014/main" xmlns="" id="{8A6D93CF-F5F3-4897-A51E-47D577FDD344}"/>
+                <a16:creationId xmlns:a16="http://schemas.microsoft.com/office/drawing/2014/main" id="{8A6D93CF-F5F3-4897-A51E-47D577FDD344}"/>
               </a:ext>
             </a:extLst>
           </p:cNvPr>
@@ -1535,7 +996,7 @@
           <a:p>
             <a:fld id="{5DEF7F31-0B8A-474A-B86C-91F381754329}" type="slidenum">
               <a:rPr lang="en-US" smtClean="0"/>
-              <a:t>‹#›</a:t>
+              <a:t>‹Nº›</a:t>
             </a:fld>
             <a:endParaRPr lang="en-US"/>
           </a:p>
@@ -1576,7 +1037,7 @@
           <p:cNvPr id="2" name="Title 1">
             <a:extLst>
               <a:ext uri="{FF2B5EF4-FFF2-40B4-BE49-F238E27FC236}">
-                <a16:creationId xmlns:a16="http://schemas.microsoft.com/office/drawing/2014/main" xmlns="" id="{E7398199-C6CF-4DFF-A750-435F06CC748B}"/>
+                <a16:creationId xmlns:a16="http://schemas.microsoft.com/office/drawing/2014/main" id="{E7398199-C6CF-4DFF-A750-435F06CC748B}"/>
               </a:ext>
             </a:extLst>
           </p:cNvPr>
@@ -1604,7 +1065,7 @@
           <p:cNvPr id="3" name="Content Placeholder 2">
             <a:extLst>
               <a:ext uri="{FF2B5EF4-FFF2-40B4-BE49-F238E27FC236}">
-                <a16:creationId xmlns:a16="http://schemas.microsoft.com/office/drawing/2014/main" xmlns="" id="{C2F2D5EB-F993-411F-9DBA-971321FC0068}"/>
+                <a16:creationId xmlns:a16="http://schemas.microsoft.com/office/drawing/2014/main" id="{C2F2D5EB-F993-411F-9DBA-971321FC0068}"/>
               </a:ext>
             </a:extLst>
           </p:cNvPr>
@@ -1661,7 +1122,7 @@
           <p:cNvPr id="4" name="Date Placeholder 3">
             <a:extLst>
               <a:ext uri="{FF2B5EF4-FFF2-40B4-BE49-F238E27FC236}">
-                <a16:creationId xmlns:a16="http://schemas.microsoft.com/office/drawing/2014/main" xmlns="" id="{BEA5D216-27F9-4078-8349-ABC9F614A5E7}"/>
+                <a16:creationId xmlns:a16="http://schemas.microsoft.com/office/drawing/2014/main" id="{BEA5D216-27F9-4078-8349-ABC9F614A5E7}"/>
               </a:ext>
             </a:extLst>
           </p:cNvPr>
@@ -1679,7 +1140,7 @@
           <a:p>
             <a:fld id="{8C28A28C-4C6A-46EA-90C0-4EE0B89CC5C7}" type="datetimeFigureOut">
               <a:rPr lang="en-US" smtClean="0"/>
-              <a:t>11/18/2022</a:t>
+              <a:t>11/18/22</a:t>
             </a:fld>
             <a:endParaRPr lang="en-US"/>
           </a:p>
@@ -1690,7 +1151,7 @@
           <p:cNvPr id="5" name="Footer Placeholder 4">
             <a:extLst>
               <a:ext uri="{FF2B5EF4-FFF2-40B4-BE49-F238E27FC236}">
-                <a16:creationId xmlns:a16="http://schemas.microsoft.com/office/drawing/2014/main" xmlns="" id="{4384F8A8-FBA7-4F25-ADEA-AF346495DEA1}"/>
+                <a16:creationId xmlns:a16="http://schemas.microsoft.com/office/drawing/2014/main" id="{4384F8A8-FBA7-4F25-ADEA-AF346495DEA1}"/>
               </a:ext>
             </a:extLst>
           </p:cNvPr>
@@ -1715,7 +1176,7 @@
           <p:cNvPr id="6" name="Slide Number Placeholder 5">
             <a:extLst>
               <a:ext uri="{FF2B5EF4-FFF2-40B4-BE49-F238E27FC236}">
-                <a16:creationId xmlns:a16="http://schemas.microsoft.com/office/drawing/2014/main" xmlns="" id="{2F4609F8-5897-4724-8FA6-3EFDE8F2DD79}"/>
+                <a16:creationId xmlns:a16="http://schemas.microsoft.com/office/drawing/2014/main" id="{2F4609F8-5897-4724-8FA6-3EFDE8F2DD79}"/>
               </a:ext>
             </a:extLst>
           </p:cNvPr>
@@ -1733,7 +1194,7 @@
           <a:p>
             <a:fld id="{5DEF7F31-0B8A-474A-B86C-91F381754329}" type="slidenum">
               <a:rPr lang="en-US" smtClean="0"/>
-              <a:t>‹#›</a:t>
+              <a:t>‹Nº›</a:t>
             </a:fld>
             <a:endParaRPr lang="en-US"/>
           </a:p>
@@ -1774,7 +1235,7 @@
           <p:cNvPr id="2" name="Title 1">
             <a:extLst>
               <a:ext uri="{FF2B5EF4-FFF2-40B4-BE49-F238E27FC236}">
-                <a16:creationId xmlns:a16="http://schemas.microsoft.com/office/drawing/2014/main" xmlns="" id="{916C0F0C-7BA8-490D-B4C9-CCE145DCD19A}"/>
+                <a16:creationId xmlns:a16="http://schemas.microsoft.com/office/drawing/2014/main" id="{916C0F0C-7BA8-490D-B4C9-CCE145DCD19A}"/>
               </a:ext>
             </a:extLst>
           </p:cNvPr>
@@ -1813,7 +1274,7 @@
           <p:cNvPr id="3" name="Text Placeholder 2">
             <a:extLst>
               <a:ext uri="{FF2B5EF4-FFF2-40B4-BE49-F238E27FC236}">
-                <a16:creationId xmlns:a16="http://schemas.microsoft.com/office/drawing/2014/main" xmlns="" id="{84290E61-B837-4BE4-9BC7-6AF706BCCA42}"/>
+                <a16:creationId xmlns:a16="http://schemas.microsoft.com/office/drawing/2014/main" id="{84290E61-B837-4BE4-9BC7-6AF706BCCA42}"/>
               </a:ext>
             </a:extLst>
           </p:cNvPr>
@@ -1938,7 +1399,7 @@
           <p:cNvPr id="4" name="Date Placeholder 3">
             <a:extLst>
               <a:ext uri="{FF2B5EF4-FFF2-40B4-BE49-F238E27FC236}">
-                <a16:creationId xmlns:a16="http://schemas.microsoft.com/office/drawing/2014/main" xmlns="" id="{0E52E15F-E46D-44C6-9FB9-07B0BC545AEF}"/>
+                <a16:creationId xmlns:a16="http://schemas.microsoft.com/office/drawing/2014/main" id="{0E52E15F-E46D-44C6-9FB9-07B0BC545AEF}"/>
               </a:ext>
             </a:extLst>
           </p:cNvPr>
@@ -1956,7 +1417,7 @@
           <a:p>
             <a:fld id="{8C28A28C-4C6A-46EA-90C0-4EE0B89CC5C7}" type="datetimeFigureOut">
               <a:rPr lang="en-US" smtClean="0"/>
-              <a:t>11/18/2022</a:t>
+              <a:t>11/18/22</a:t>
             </a:fld>
             <a:endParaRPr lang="en-US"/>
           </a:p>
@@ -1967,7 +1428,7 @@
           <p:cNvPr id="5" name="Footer Placeholder 4">
             <a:extLst>
               <a:ext uri="{FF2B5EF4-FFF2-40B4-BE49-F238E27FC236}">
-                <a16:creationId xmlns:a16="http://schemas.microsoft.com/office/drawing/2014/main" xmlns="" id="{2EBF6955-3667-4857-B35A-9E12F7988608}"/>
+                <a16:creationId xmlns:a16="http://schemas.microsoft.com/office/drawing/2014/main" id="{2EBF6955-3667-4857-B35A-9E12F7988608}"/>
               </a:ext>
             </a:extLst>
           </p:cNvPr>
@@ -1992,7 +1453,7 @@
           <p:cNvPr id="6" name="Slide Number Placeholder 5">
             <a:extLst>
               <a:ext uri="{FF2B5EF4-FFF2-40B4-BE49-F238E27FC236}">
-                <a16:creationId xmlns:a16="http://schemas.microsoft.com/office/drawing/2014/main" xmlns="" id="{3114B309-D15E-4FA1-9B8D-8C1F3B56C375}"/>
+                <a16:creationId xmlns:a16="http://schemas.microsoft.com/office/drawing/2014/main" id="{3114B309-D15E-4FA1-9B8D-8C1F3B56C375}"/>
               </a:ext>
             </a:extLst>
           </p:cNvPr>
@@ -2010,7 +1471,7 @@
           <a:p>
             <a:fld id="{5DEF7F31-0B8A-474A-B86C-91F381754329}" type="slidenum">
               <a:rPr lang="en-US" smtClean="0"/>
-              <a:t>‹#›</a:t>
+              <a:t>‹Nº›</a:t>
             </a:fld>
             <a:endParaRPr lang="en-US"/>
           </a:p>
@@ -2051,7 +1512,7 @@
           <p:cNvPr id="2" name="Title 1">
             <a:extLst>
               <a:ext uri="{FF2B5EF4-FFF2-40B4-BE49-F238E27FC236}">
-                <a16:creationId xmlns:a16="http://schemas.microsoft.com/office/drawing/2014/main" xmlns="" id="{B5E219AB-91F9-4F80-9B5D-2E6FE925F029}"/>
+                <a16:creationId xmlns:a16="http://schemas.microsoft.com/office/drawing/2014/main" id="{B5E219AB-91F9-4F80-9B5D-2E6FE925F029}"/>
               </a:ext>
             </a:extLst>
           </p:cNvPr>
@@ -2079,7 +1540,7 @@
           <p:cNvPr id="3" name="Content Placeholder 2">
             <a:extLst>
               <a:ext uri="{FF2B5EF4-FFF2-40B4-BE49-F238E27FC236}">
-                <a16:creationId xmlns:a16="http://schemas.microsoft.com/office/drawing/2014/main" xmlns="" id="{1F19F334-D0CF-4DFD-BAA9-3ECD639B1F1E}"/>
+                <a16:creationId xmlns:a16="http://schemas.microsoft.com/office/drawing/2014/main" id="{1F19F334-D0CF-4DFD-BAA9-3ECD639B1F1E}"/>
               </a:ext>
             </a:extLst>
           </p:cNvPr>
@@ -2141,7 +1602,7 @@
           <p:cNvPr id="4" name="Content Placeholder 3">
             <a:extLst>
               <a:ext uri="{FF2B5EF4-FFF2-40B4-BE49-F238E27FC236}">
-                <a16:creationId xmlns:a16="http://schemas.microsoft.com/office/drawing/2014/main" xmlns="" id="{015E0B5D-4613-4DA7-BA20-58B19BE8A496}"/>
+                <a16:creationId xmlns:a16="http://schemas.microsoft.com/office/drawing/2014/main" id="{015E0B5D-4613-4DA7-BA20-58B19BE8A496}"/>
               </a:ext>
             </a:extLst>
           </p:cNvPr>
@@ -2203,7 +1664,7 @@
           <p:cNvPr id="5" name="Date Placeholder 4">
             <a:extLst>
               <a:ext uri="{FF2B5EF4-FFF2-40B4-BE49-F238E27FC236}">
-                <a16:creationId xmlns:a16="http://schemas.microsoft.com/office/drawing/2014/main" xmlns="" id="{44F311AB-0603-424D-BC42-0CEAB3562BA4}"/>
+                <a16:creationId xmlns:a16="http://schemas.microsoft.com/office/drawing/2014/main" id="{44F311AB-0603-424D-BC42-0CEAB3562BA4}"/>
               </a:ext>
             </a:extLst>
           </p:cNvPr>
@@ -2221,7 +1682,7 @@
           <a:p>
             <a:fld id="{8C28A28C-4C6A-46EA-90C0-4EE0B89CC5C7}" type="datetimeFigureOut">
               <a:rPr lang="en-US" smtClean="0"/>
-              <a:t>11/18/2022</a:t>
+              <a:t>11/18/22</a:t>
             </a:fld>
             <a:endParaRPr lang="en-US"/>
           </a:p>
@@ -2232,7 +1693,7 @@
           <p:cNvPr id="6" name="Footer Placeholder 5">
             <a:extLst>
               <a:ext uri="{FF2B5EF4-FFF2-40B4-BE49-F238E27FC236}">
-                <a16:creationId xmlns:a16="http://schemas.microsoft.com/office/drawing/2014/main" xmlns="" id="{7A3AA2AC-0C5F-4835-BE47-D780C29890E2}"/>
+                <a16:creationId xmlns:a16="http://schemas.microsoft.com/office/drawing/2014/main" id="{7A3AA2AC-0C5F-4835-BE47-D780C29890E2}"/>
               </a:ext>
             </a:extLst>
           </p:cNvPr>
@@ -2257,7 +1718,7 @@
           <p:cNvPr id="7" name="Slide Number Placeholder 6">
             <a:extLst>
               <a:ext uri="{FF2B5EF4-FFF2-40B4-BE49-F238E27FC236}">
-                <a16:creationId xmlns:a16="http://schemas.microsoft.com/office/drawing/2014/main" xmlns="" id="{906C54C0-DFDA-4778-9EE8-5E5C30E05412}"/>
+                <a16:creationId xmlns:a16="http://schemas.microsoft.com/office/drawing/2014/main" id="{906C54C0-DFDA-4778-9EE8-5E5C30E05412}"/>
               </a:ext>
             </a:extLst>
           </p:cNvPr>
@@ -2275,7 +1736,7 @@
           <a:p>
             <a:fld id="{5DEF7F31-0B8A-474A-B86C-91F381754329}" type="slidenum">
               <a:rPr lang="en-US" smtClean="0"/>
-              <a:t>‹#›</a:t>
+              <a:t>‹Nº›</a:t>
             </a:fld>
             <a:endParaRPr lang="en-US"/>
           </a:p>
@@ -2316,7 +1777,7 @@
           <p:cNvPr id="2" name="Title 1">
             <a:extLst>
               <a:ext uri="{FF2B5EF4-FFF2-40B4-BE49-F238E27FC236}">
-                <a16:creationId xmlns:a16="http://schemas.microsoft.com/office/drawing/2014/main" xmlns="" id="{D99F3603-5B09-4916-8324-A6BDAB4E060E}"/>
+                <a16:creationId xmlns:a16="http://schemas.microsoft.com/office/drawing/2014/main" id="{D99F3603-5B09-4916-8324-A6BDAB4E060E}"/>
               </a:ext>
             </a:extLst>
           </p:cNvPr>
@@ -2349,7 +1810,7 @@
           <p:cNvPr id="3" name="Text Placeholder 2">
             <a:extLst>
               <a:ext uri="{FF2B5EF4-FFF2-40B4-BE49-F238E27FC236}">
-                <a16:creationId xmlns:a16="http://schemas.microsoft.com/office/drawing/2014/main" xmlns="" id="{7074073C-C15B-4218-9B84-6758955176E7}"/>
+                <a16:creationId xmlns:a16="http://schemas.microsoft.com/office/drawing/2014/main" id="{7074073C-C15B-4218-9B84-6758955176E7}"/>
               </a:ext>
             </a:extLst>
           </p:cNvPr>
@@ -2420,7 +1881,7 @@
           <p:cNvPr id="4" name="Content Placeholder 3">
             <a:extLst>
               <a:ext uri="{FF2B5EF4-FFF2-40B4-BE49-F238E27FC236}">
-                <a16:creationId xmlns:a16="http://schemas.microsoft.com/office/drawing/2014/main" xmlns="" id="{C4116D27-36F6-440B-A9BE-8B9499047CEF}"/>
+                <a16:creationId xmlns:a16="http://schemas.microsoft.com/office/drawing/2014/main" id="{C4116D27-36F6-440B-A9BE-8B9499047CEF}"/>
               </a:ext>
             </a:extLst>
           </p:cNvPr>
@@ -2482,7 +1943,7 @@
           <p:cNvPr id="5" name="Text Placeholder 4">
             <a:extLst>
               <a:ext uri="{FF2B5EF4-FFF2-40B4-BE49-F238E27FC236}">
-                <a16:creationId xmlns:a16="http://schemas.microsoft.com/office/drawing/2014/main" xmlns="" id="{7C12010D-7AC4-4A70-A211-6A29274119DB}"/>
+                <a16:creationId xmlns:a16="http://schemas.microsoft.com/office/drawing/2014/main" id="{7C12010D-7AC4-4A70-A211-6A29274119DB}"/>
               </a:ext>
             </a:extLst>
           </p:cNvPr>
@@ -2553,7 +2014,7 @@
           <p:cNvPr id="6" name="Content Placeholder 5">
             <a:extLst>
               <a:ext uri="{FF2B5EF4-FFF2-40B4-BE49-F238E27FC236}">
-                <a16:creationId xmlns:a16="http://schemas.microsoft.com/office/drawing/2014/main" xmlns="" id="{26AE85B5-3350-49A4-86A1-E5DAED491624}"/>
+                <a16:creationId xmlns:a16="http://schemas.microsoft.com/office/drawing/2014/main" id="{26AE85B5-3350-49A4-86A1-E5DAED491624}"/>
               </a:ext>
             </a:extLst>
           </p:cNvPr>
@@ -2615,7 +2076,7 @@
           <p:cNvPr id="7" name="Date Placeholder 6">
             <a:extLst>
               <a:ext uri="{FF2B5EF4-FFF2-40B4-BE49-F238E27FC236}">
-                <a16:creationId xmlns:a16="http://schemas.microsoft.com/office/drawing/2014/main" xmlns="" id="{1A73E874-D08B-4D81-B82D-5DF242E4A1AA}"/>
+                <a16:creationId xmlns:a16="http://schemas.microsoft.com/office/drawing/2014/main" id="{1A73E874-D08B-4D81-B82D-5DF242E4A1AA}"/>
               </a:ext>
             </a:extLst>
           </p:cNvPr>
@@ -2633,7 +2094,7 @@
           <a:p>
             <a:fld id="{8C28A28C-4C6A-46EA-90C0-4EE0B89CC5C7}" type="datetimeFigureOut">
               <a:rPr lang="en-US" smtClean="0"/>
-              <a:t>11/18/2022</a:t>
+              <a:t>11/18/22</a:t>
             </a:fld>
             <a:endParaRPr lang="en-US"/>
           </a:p>
@@ -2644,7 +2105,7 @@
           <p:cNvPr id="8" name="Footer Placeholder 7">
             <a:extLst>
               <a:ext uri="{FF2B5EF4-FFF2-40B4-BE49-F238E27FC236}">
-                <a16:creationId xmlns:a16="http://schemas.microsoft.com/office/drawing/2014/main" xmlns="" id="{AE174067-0FFA-41C3-A3A6-E8907CC32DE1}"/>
+                <a16:creationId xmlns:a16="http://schemas.microsoft.com/office/drawing/2014/main" id="{AE174067-0FFA-41C3-A3A6-E8907CC32DE1}"/>
               </a:ext>
             </a:extLst>
           </p:cNvPr>
@@ -2669,7 +2130,7 @@
           <p:cNvPr id="9" name="Slide Number Placeholder 8">
             <a:extLst>
               <a:ext uri="{FF2B5EF4-FFF2-40B4-BE49-F238E27FC236}">
-                <a16:creationId xmlns:a16="http://schemas.microsoft.com/office/drawing/2014/main" xmlns="" id="{B7947985-FBC0-4118-8877-2E327F637DF5}"/>
+                <a16:creationId xmlns:a16="http://schemas.microsoft.com/office/drawing/2014/main" id="{B7947985-FBC0-4118-8877-2E327F637DF5}"/>
               </a:ext>
             </a:extLst>
           </p:cNvPr>
@@ -2687,7 +2148,7 @@
           <a:p>
             <a:fld id="{5DEF7F31-0B8A-474A-B86C-91F381754329}" type="slidenum">
               <a:rPr lang="en-US" smtClean="0"/>
-              <a:t>‹#›</a:t>
+              <a:t>‹Nº›</a:t>
             </a:fld>
             <a:endParaRPr lang="en-US"/>
           </a:p>
@@ -2728,7 +2189,7 @@
           <p:cNvPr id="2" name="Title 1">
             <a:extLst>
               <a:ext uri="{FF2B5EF4-FFF2-40B4-BE49-F238E27FC236}">
-                <a16:creationId xmlns:a16="http://schemas.microsoft.com/office/drawing/2014/main" xmlns="" id="{52CE0282-3DE7-4AB9-83AC-AFEDD22AF345}"/>
+                <a16:creationId xmlns:a16="http://schemas.microsoft.com/office/drawing/2014/main" id="{52CE0282-3DE7-4AB9-83AC-AFEDD22AF345}"/>
               </a:ext>
             </a:extLst>
           </p:cNvPr>
@@ -2756,7 +2217,7 @@
           <p:cNvPr id="3" name="Date Placeholder 2">
             <a:extLst>
               <a:ext uri="{FF2B5EF4-FFF2-40B4-BE49-F238E27FC236}">
-                <a16:creationId xmlns:a16="http://schemas.microsoft.com/office/drawing/2014/main" xmlns="" id="{21A7436C-706A-443F-86CD-4444C82818B2}"/>
+                <a16:creationId xmlns:a16="http://schemas.microsoft.com/office/drawing/2014/main" id="{21A7436C-706A-443F-86CD-4444C82818B2}"/>
               </a:ext>
             </a:extLst>
           </p:cNvPr>
@@ -2774,7 +2235,7 @@
           <a:p>
             <a:fld id="{8C28A28C-4C6A-46EA-90C0-4EE0B89CC5C7}" type="datetimeFigureOut">
               <a:rPr lang="en-US" smtClean="0"/>
-              <a:t>11/18/2022</a:t>
+              <a:t>11/18/22</a:t>
             </a:fld>
             <a:endParaRPr lang="en-US"/>
           </a:p>
@@ -2785,7 +2246,7 @@
           <p:cNvPr id="4" name="Footer Placeholder 3">
             <a:extLst>
               <a:ext uri="{FF2B5EF4-FFF2-40B4-BE49-F238E27FC236}">
-                <a16:creationId xmlns:a16="http://schemas.microsoft.com/office/drawing/2014/main" xmlns="" id="{09B53292-7EA5-45D0-957F-636A44FC06DE}"/>
+                <a16:creationId xmlns:a16="http://schemas.microsoft.com/office/drawing/2014/main" id="{09B53292-7EA5-45D0-957F-636A44FC06DE}"/>
               </a:ext>
             </a:extLst>
           </p:cNvPr>
@@ -2810,7 +2271,7 @@
           <p:cNvPr id="5" name="Slide Number Placeholder 4">
             <a:extLst>
               <a:ext uri="{FF2B5EF4-FFF2-40B4-BE49-F238E27FC236}">
-                <a16:creationId xmlns:a16="http://schemas.microsoft.com/office/drawing/2014/main" xmlns="" id="{0476F59D-34BB-462C-B506-040B9E982FCB}"/>
+                <a16:creationId xmlns:a16="http://schemas.microsoft.com/office/drawing/2014/main" id="{0476F59D-34BB-462C-B506-040B9E982FCB}"/>
               </a:ext>
             </a:extLst>
           </p:cNvPr>
@@ -2828,7 +2289,7 @@
           <a:p>
             <a:fld id="{5DEF7F31-0B8A-474A-B86C-91F381754329}" type="slidenum">
               <a:rPr lang="en-US" smtClean="0"/>
-              <a:t>‹#›</a:t>
+              <a:t>‹Nº›</a:t>
             </a:fld>
             <a:endParaRPr lang="en-US"/>
           </a:p>
@@ -2869,7 +2330,7 @@
           <p:cNvPr id="2" name="Date Placeholder 1">
             <a:extLst>
               <a:ext uri="{FF2B5EF4-FFF2-40B4-BE49-F238E27FC236}">
-                <a16:creationId xmlns:a16="http://schemas.microsoft.com/office/drawing/2014/main" xmlns="" id="{6BE55245-AB52-41B4-9B28-55E6527DA2F8}"/>
+                <a16:creationId xmlns:a16="http://schemas.microsoft.com/office/drawing/2014/main" id="{6BE55245-AB52-41B4-9B28-55E6527DA2F8}"/>
               </a:ext>
             </a:extLst>
           </p:cNvPr>
@@ -2887,7 +2348,7 @@
           <a:p>
             <a:fld id="{8C28A28C-4C6A-46EA-90C0-4EE0B89CC5C7}" type="datetimeFigureOut">
               <a:rPr lang="en-US" smtClean="0"/>
-              <a:t>11/18/2022</a:t>
+              <a:t>11/18/22</a:t>
             </a:fld>
             <a:endParaRPr lang="en-US"/>
           </a:p>
@@ -2898,7 +2359,7 @@
           <p:cNvPr id="3" name="Footer Placeholder 2">
             <a:extLst>
               <a:ext uri="{FF2B5EF4-FFF2-40B4-BE49-F238E27FC236}">
-                <a16:creationId xmlns:a16="http://schemas.microsoft.com/office/drawing/2014/main" xmlns="" id="{CA73B8AE-58B0-4FDF-8430-9D8D3DD53725}"/>
+                <a16:creationId xmlns:a16="http://schemas.microsoft.com/office/drawing/2014/main" id="{CA73B8AE-58B0-4FDF-8430-9D8D3DD53725}"/>
               </a:ext>
             </a:extLst>
           </p:cNvPr>
@@ -2923,7 +2384,7 @@
           <p:cNvPr id="4" name="Slide Number Placeholder 3">
             <a:extLst>
               <a:ext uri="{FF2B5EF4-FFF2-40B4-BE49-F238E27FC236}">
-                <a16:creationId xmlns:a16="http://schemas.microsoft.com/office/drawing/2014/main" xmlns="" id="{479E4D91-8619-43C1-841B-B5F47DE01739}"/>
+                <a16:creationId xmlns:a16="http://schemas.microsoft.com/office/drawing/2014/main" id="{479E4D91-8619-43C1-841B-B5F47DE01739}"/>
               </a:ext>
             </a:extLst>
           </p:cNvPr>
@@ -2941,7 +2402,7 @@
           <a:p>
             <a:fld id="{5DEF7F31-0B8A-474A-B86C-91F381754329}" type="slidenum">
               <a:rPr lang="en-US" smtClean="0"/>
-              <a:t>‹#›</a:t>
+              <a:t>‹Nº›</a:t>
             </a:fld>
             <a:endParaRPr lang="en-US"/>
           </a:p>
@@ -2982,7 +2443,7 @@
           <p:cNvPr id="2" name="Title 1">
             <a:extLst>
               <a:ext uri="{FF2B5EF4-FFF2-40B4-BE49-F238E27FC236}">
-                <a16:creationId xmlns:a16="http://schemas.microsoft.com/office/drawing/2014/main" xmlns="" id="{505DA660-DF93-4947-B93F-BF118D3B5F80}"/>
+                <a16:creationId xmlns:a16="http://schemas.microsoft.com/office/drawing/2014/main" id="{505DA660-DF93-4947-B93F-BF118D3B5F80}"/>
               </a:ext>
             </a:extLst>
           </p:cNvPr>
@@ -3019,7 +2480,7 @@
           <p:cNvPr id="3" name="Content Placeholder 2">
             <a:extLst>
               <a:ext uri="{FF2B5EF4-FFF2-40B4-BE49-F238E27FC236}">
-                <a16:creationId xmlns:a16="http://schemas.microsoft.com/office/drawing/2014/main" xmlns="" id="{02F0292E-B3E1-4FD6-A7FA-C165BAC21C28}"/>
+                <a16:creationId xmlns:a16="http://schemas.microsoft.com/office/drawing/2014/main" id="{02F0292E-B3E1-4FD6-A7FA-C165BAC21C28}"/>
               </a:ext>
             </a:extLst>
           </p:cNvPr>
@@ -3111,7 +2572,7 @@
           <p:cNvPr id="4" name="Text Placeholder 3">
             <a:extLst>
               <a:ext uri="{FF2B5EF4-FFF2-40B4-BE49-F238E27FC236}">
-                <a16:creationId xmlns:a16="http://schemas.microsoft.com/office/drawing/2014/main" xmlns="" id="{EEFB0ECC-817B-4A71-AFB5-FC60A2BC3ABC}"/>
+                <a16:creationId xmlns:a16="http://schemas.microsoft.com/office/drawing/2014/main" id="{EEFB0ECC-817B-4A71-AFB5-FC60A2BC3ABC}"/>
               </a:ext>
             </a:extLst>
           </p:cNvPr>
@@ -3182,7 +2643,7 @@
           <p:cNvPr id="5" name="Date Placeholder 4">
             <a:extLst>
               <a:ext uri="{FF2B5EF4-FFF2-40B4-BE49-F238E27FC236}">
-                <a16:creationId xmlns:a16="http://schemas.microsoft.com/office/drawing/2014/main" xmlns="" id="{17788E0B-6135-4F59-A35A-2CA1A8BA4ED2}"/>
+                <a16:creationId xmlns:a16="http://schemas.microsoft.com/office/drawing/2014/main" id="{17788E0B-6135-4F59-A35A-2CA1A8BA4ED2}"/>
               </a:ext>
             </a:extLst>
           </p:cNvPr>
@@ -3200,7 +2661,7 @@
           <a:p>
             <a:fld id="{8C28A28C-4C6A-46EA-90C0-4EE0B89CC5C7}" type="datetimeFigureOut">
               <a:rPr lang="en-US" smtClean="0"/>
-              <a:t>11/18/2022</a:t>
+              <a:t>11/18/22</a:t>
             </a:fld>
             <a:endParaRPr lang="en-US"/>
           </a:p>
@@ -3211,7 +2672,7 @@
           <p:cNvPr id="6" name="Footer Placeholder 5">
             <a:extLst>
               <a:ext uri="{FF2B5EF4-FFF2-40B4-BE49-F238E27FC236}">
-                <a16:creationId xmlns:a16="http://schemas.microsoft.com/office/drawing/2014/main" xmlns="" id="{FD0DEF36-4037-4E6D-988F-CC8E3F11C630}"/>
+                <a16:creationId xmlns:a16="http://schemas.microsoft.com/office/drawing/2014/main" id="{FD0DEF36-4037-4E6D-988F-CC8E3F11C630}"/>
               </a:ext>
             </a:extLst>
           </p:cNvPr>
@@ -3236,7 +2697,7 @@
           <p:cNvPr id="7" name="Slide Number Placeholder 6">
             <a:extLst>
               <a:ext uri="{FF2B5EF4-FFF2-40B4-BE49-F238E27FC236}">
-                <a16:creationId xmlns:a16="http://schemas.microsoft.com/office/drawing/2014/main" xmlns="" id="{055C0D2D-D878-4723-A002-5A601EFB48A0}"/>
+                <a16:creationId xmlns:a16="http://schemas.microsoft.com/office/drawing/2014/main" id="{055C0D2D-D878-4723-A002-5A601EFB48A0}"/>
               </a:ext>
             </a:extLst>
           </p:cNvPr>
@@ -3254,7 +2715,7 @@
           <a:p>
             <a:fld id="{5DEF7F31-0B8A-474A-B86C-91F381754329}" type="slidenum">
               <a:rPr lang="en-US" smtClean="0"/>
-              <a:t>‹#›</a:t>
+              <a:t>‹Nº›</a:t>
             </a:fld>
             <a:endParaRPr lang="en-US"/>
           </a:p>
@@ -3295,7 +2756,7 @@
           <p:cNvPr id="2" name="Title 1">
             <a:extLst>
               <a:ext uri="{FF2B5EF4-FFF2-40B4-BE49-F238E27FC236}">
-                <a16:creationId xmlns:a16="http://schemas.microsoft.com/office/drawing/2014/main" xmlns="" id="{BB5C59D5-B8A1-4C9C-A61F-E082A44330BB}"/>
+                <a16:creationId xmlns:a16="http://schemas.microsoft.com/office/drawing/2014/main" id="{BB5C59D5-B8A1-4C9C-A61F-E082A44330BB}"/>
               </a:ext>
             </a:extLst>
           </p:cNvPr>
@@ -3332,7 +2793,7 @@
           <p:cNvPr id="3" name="Picture Placeholder 2">
             <a:extLst>
               <a:ext uri="{FF2B5EF4-FFF2-40B4-BE49-F238E27FC236}">
-                <a16:creationId xmlns:a16="http://schemas.microsoft.com/office/drawing/2014/main" xmlns="" id="{64CB4F5F-E6E7-45C3-B35C-80F81FB1A5E8}"/>
+                <a16:creationId xmlns:a16="http://schemas.microsoft.com/office/drawing/2014/main" id="{64CB4F5F-E6E7-45C3-B35C-80F81FB1A5E8}"/>
               </a:ext>
             </a:extLst>
           </p:cNvPr>
@@ -3399,7 +2860,7 @@
           <p:cNvPr id="4" name="Text Placeholder 3">
             <a:extLst>
               <a:ext uri="{FF2B5EF4-FFF2-40B4-BE49-F238E27FC236}">
-                <a16:creationId xmlns:a16="http://schemas.microsoft.com/office/drawing/2014/main" xmlns="" id="{36633AB7-4F8E-4A9F-AC15-89E6A6E00347}"/>
+                <a16:creationId xmlns:a16="http://schemas.microsoft.com/office/drawing/2014/main" id="{36633AB7-4F8E-4A9F-AC15-89E6A6E00347}"/>
               </a:ext>
             </a:extLst>
           </p:cNvPr>
@@ -3470,7 +2931,7 @@
           <p:cNvPr id="5" name="Date Placeholder 4">
             <a:extLst>
               <a:ext uri="{FF2B5EF4-FFF2-40B4-BE49-F238E27FC236}">
-                <a16:creationId xmlns:a16="http://schemas.microsoft.com/office/drawing/2014/main" xmlns="" id="{C074B526-866D-4E11-A7F9-081BD4EDF484}"/>
+                <a16:creationId xmlns:a16="http://schemas.microsoft.com/office/drawing/2014/main" id="{C074B526-866D-4E11-A7F9-081BD4EDF484}"/>
               </a:ext>
             </a:extLst>
           </p:cNvPr>
@@ -3488,7 +2949,7 @@
           <a:p>
             <a:fld id="{8C28A28C-4C6A-46EA-90C0-4EE0B89CC5C7}" type="datetimeFigureOut">
               <a:rPr lang="en-US" smtClean="0"/>
-              <a:t>11/18/2022</a:t>
+              <a:t>11/18/22</a:t>
             </a:fld>
             <a:endParaRPr lang="en-US"/>
           </a:p>
@@ -3499,7 +2960,7 @@
           <p:cNvPr id="6" name="Footer Placeholder 5">
             <a:extLst>
               <a:ext uri="{FF2B5EF4-FFF2-40B4-BE49-F238E27FC236}">
-                <a16:creationId xmlns:a16="http://schemas.microsoft.com/office/drawing/2014/main" xmlns="" id="{CD758BF8-E962-4367-8495-62438FDD483D}"/>
+                <a16:creationId xmlns:a16="http://schemas.microsoft.com/office/drawing/2014/main" id="{CD758BF8-E962-4367-8495-62438FDD483D}"/>
               </a:ext>
             </a:extLst>
           </p:cNvPr>
@@ -3524,7 +2985,7 @@
           <p:cNvPr id="7" name="Slide Number Placeholder 6">
             <a:extLst>
               <a:ext uri="{FF2B5EF4-FFF2-40B4-BE49-F238E27FC236}">
-                <a16:creationId xmlns:a16="http://schemas.microsoft.com/office/drawing/2014/main" xmlns="" id="{8FC20AE1-C97D-4E6C-9DB2-B2904C2CF247}"/>
+                <a16:creationId xmlns:a16="http://schemas.microsoft.com/office/drawing/2014/main" id="{8FC20AE1-C97D-4E6C-9DB2-B2904C2CF247}"/>
               </a:ext>
             </a:extLst>
           </p:cNvPr>
@@ -3542,7 +3003,7 @@
           <a:p>
             <a:fld id="{5DEF7F31-0B8A-474A-B86C-91F381754329}" type="slidenum">
               <a:rPr lang="en-US" smtClean="0"/>
-              <a:t>‹#›</a:t>
+              <a:t>‹Nº›</a:t>
             </a:fld>
             <a:endParaRPr lang="en-US"/>
           </a:p>
@@ -3588,7 +3049,7 @@
           <p:cNvPr id="7" name="Freeform: Shape 6">
             <a:extLst>
               <a:ext uri="{FF2B5EF4-FFF2-40B4-BE49-F238E27FC236}">
-                <a16:creationId xmlns:a16="http://schemas.microsoft.com/office/drawing/2014/main" xmlns="" id="{AE192E3E-68A9-4F36-936C-1C8D0B9EF132}"/>
+                <a16:creationId xmlns:a16="http://schemas.microsoft.com/office/drawing/2014/main" id="{AE192E3E-68A9-4F36-936C-1C8D0B9EF132}"/>
               </a:ext>
             </a:extLst>
           </p:cNvPr>
@@ -3703,7 +3164,7 @@
           <p:cNvPr id="2" name="Title Placeholder 1">
             <a:extLst>
               <a:ext uri="{FF2B5EF4-FFF2-40B4-BE49-F238E27FC236}">
-                <a16:creationId xmlns:a16="http://schemas.microsoft.com/office/drawing/2014/main" xmlns="" id="{3F214EB0-7E6D-4536-9350-5CB688B56F26}"/>
+                <a16:creationId xmlns:a16="http://schemas.microsoft.com/office/drawing/2014/main" id="{3F214EB0-7E6D-4536-9350-5CB688B56F26}"/>
               </a:ext>
             </a:extLst>
           </p:cNvPr>
@@ -3741,7 +3202,7 @@
           <p:cNvPr id="3" name="Text Placeholder 2">
             <a:extLst>
               <a:ext uri="{FF2B5EF4-FFF2-40B4-BE49-F238E27FC236}">
-                <a16:creationId xmlns:a16="http://schemas.microsoft.com/office/drawing/2014/main" xmlns="" id="{ABF5455E-4725-4924-BF7D-2E1FC9E391F8}"/>
+                <a16:creationId xmlns:a16="http://schemas.microsoft.com/office/drawing/2014/main" id="{ABF5455E-4725-4924-BF7D-2E1FC9E391F8}"/>
               </a:ext>
             </a:extLst>
           </p:cNvPr>
@@ -3808,7 +3269,7 @@
           <p:cNvPr id="4" name="Date Placeholder 3">
             <a:extLst>
               <a:ext uri="{FF2B5EF4-FFF2-40B4-BE49-F238E27FC236}">
-                <a16:creationId xmlns:a16="http://schemas.microsoft.com/office/drawing/2014/main" xmlns="" id="{A2CAD9D9-1A1D-4438-9F3D-E5E58FD72F1F}"/>
+                <a16:creationId xmlns:a16="http://schemas.microsoft.com/office/drawing/2014/main" id="{A2CAD9D9-1A1D-4438-9F3D-E5E58FD72F1F}"/>
               </a:ext>
             </a:extLst>
           </p:cNvPr>
@@ -3843,7 +3304,7 @@
             <a:fld id="{8C28A28C-4C6A-46EA-90C0-4EE0B89CC5C7}" type="datetimeFigureOut">
               <a:rPr lang="en-US" smtClean="0"/>
               <a:pPr/>
-              <a:t>11/18/2022</a:t>
+              <a:t>11/18/22</a:t>
             </a:fld>
             <a:endParaRPr lang="en-US" dirty="0"/>
           </a:p>
@@ -3854,7 +3315,7 @@
           <p:cNvPr id="5" name="Footer Placeholder 4">
             <a:extLst>
               <a:ext uri="{FF2B5EF4-FFF2-40B4-BE49-F238E27FC236}">
-                <a16:creationId xmlns:a16="http://schemas.microsoft.com/office/drawing/2014/main" xmlns="" id="{AE80A827-D7BF-4CA4-8C29-5AE54ADA4787}"/>
+                <a16:creationId xmlns:a16="http://schemas.microsoft.com/office/drawing/2014/main" id="{AE80A827-D7BF-4CA4-8C29-5AE54ADA4787}"/>
               </a:ext>
             </a:extLst>
           </p:cNvPr>
@@ -3895,7 +3356,7 @@
           <p:cNvPr id="6" name="Slide Number Placeholder 5">
             <a:extLst>
               <a:ext uri="{FF2B5EF4-FFF2-40B4-BE49-F238E27FC236}">
-                <a16:creationId xmlns:a16="http://schemas.microsoft.com/office/drawing/2014/main" xmlns="" id="{06717188-1DE1-4DA5-8161-21179E4ADEAE}"/>
+                <a16:creationId xmlns:a16="http://schemas.microsoft.com/office/drawing/2014/main" id="{06717188-1DE1-4DA5-8161-21179E4ADEAE}"/>
               </a:ext>
             </a:extLst>
           </p:cNvPr>
@@ -3930,7 +3391,7 @@
             <a:fld id="{5DEF7F31-0B8A-474A-B86C-91F381754329}" type="slidenum">
               <a:rPr lang="en-US" smtClean="0"/>
               <a:pPr/>
-              <a:t>‹#›</a:t>
+              <a:t>‹Nº›</a:t>
             </a:fld>
             <a:endParaRPr lang="en-US" dirty="0"/>
           </a:p>
@@ -4271,10 +3732,10 @@
           <p:cNvPr id="9" name="Rectangle 8">
             <a:extLst>
               <a:ext uri="{FF2B5EF4-FFF2-40B4-BE49-F238E27FC236}">
-                <a16:creationId xmlns:a16="http://schemas.microsoft.com/office/drawing/2014/main" xmlns="" id="{2C729A30-F429-4967-81E8-45F6757C8847}"/>
+                <a16:creationId xmlns:a16="http://schemas.microsoft.com/office/drawing/2014/main" id="{2C729A30-F429-4967-81E8-45F6757C8847}"/>
               </a:ext>
               <a:ext uri="{C183D7F6-B498-43B3-948B-1728B52AA6E4}">
-                <adec:decorative xmlns:adec="http://schemas.microsoft.com/office/drawing/2017/decorative" xmlns="" val="1"/>
+                <adec:decorative xmlns:adec="http://schemas.microsoft.com/office/drawing/2017/decorative" val="1"/>
               </a:ext>
             </a:extLst>
           </p:cNvPr>
@@ -4284,7 +3745,7 @@
           <p:nvPr>
             <p:extLst>
               <p:ext uri="{386F3935-93C4-4BCD-93E2-E3B085C9AB24}">
-                <p16:designElem xmlns:p16="http://schemas.microsoft.com/office/powerpoint/2015/main" xmlns="" val="1"/>
+                <p16:designElem xmlns:p16="http://schemas.microsoft.com/office/powerpoint/2015/main" val="1"/>
               </p:ext>
             </p:extLst>
           </p:nvPr>
@@ -4350,10 +3811,10 @@
           <p:cNvPr id="11" name="Rectangle 10">
             <a:extLst>
               <a:ext uri="{FF2B5EF4-FFF2-40B4-BE49-F238E27FC236}">
-                <a16:creationId xmlns:a16="http://schemas.microsoft.com/office/drawing/2014/main" xmlns="" id="{19FC137C-7F97-41FA-86A1-2E01C3837498}"/>
+                <a16:creationId xmlns:a16="http://schemas.microsoft.com/office/drawing/2014/main" id="{19FC137C-7F97-41FA-86A1-2E01C3837498}"/>
               </a:ext>
               <a:ext uri="{C183D7F6-B498-43B3-948B-1728B52AA6E4}">
-                <adec:decorative xmlns:adec="http://schemas.microsoft.com/office/drawing/2017/decorative" xmlns="" val="1"/>
+                <adec:decorative xmlns:adec="http://schemas.microsoft.com/office/drawing/2017/decorative" val="1"/>
               </a:ext>
             </a:extLst>
           </p:cNvPr>
@@ -4363,7 +3824,7 @@
           <p:nvPr>
             <p:extLst>
               <p:ext uri="{386F3935-93C4-4BCD-93E2-E3B085C9AB24}">
-                <p16:designElem xmlns:p16="http://schemas.microsoft.com/office/powerpoint/2015/main" xmlns="" val="1"/>
+                <p16:designElem xmlns:p16="http://schemas.microsoft.com/office/powerpoint/2015/main" val="1"/>
               </p:ext>
             </p:extLst>
           </p:nvPr>
@@ -4413,10 +3874,10 @@
           <p:cNvPr id="13" name="Freeform: Shape 12">
             <a:extLst>
               <a:ext uri="{FF2B5EF4-FFF2-40B4-BE49-F238E27FC236}">
-                <a16:creationId xmlns:a16="http://schemas.microsoft.com/office/drawing/2014/main" xmlns="" id="{9FBFB9D3-7D34-4948-B4D0-73E7B6E5272A}"/>
+                <a16:creationId xmlns:a16="http://schemas.microsoft.com/office/drawing/2014/main" id="{9FBFB9D3-7D34-4948-B4D0-73E7B6E5272A}"/>
               </a:ext>
               <a:ext uri="{C183D7F6-B498-43B3-948B-1728B52AA6E4}">
-                <adec:decorative xmlns:adec="http://schemas.microsoft.com/office/drawing/2017/decorative" xmlns="" val="1"/>
+                <adec:decorative xmlns:adec="http://schemas.microsoft.com/office/drawing/2017/decorative" val="1"/>
               </a:ext>
             </a:extLst>
           </p:cNvPr>
@@ -4426,7 +3887,7 @@
           <p:nvPr>
             <p:extLst>
               <p:ext uri="{386F3935-93C4-4BCD-93E2-E3B085C9AB24}">
-                <p16:designElem xmlns:p16="http://schemas.microsoft.com/office/powerpoint/2015/main" xmlns="" val="1"/>
+                <p16:designElem xmlns:p16="http://schemas.microsoft.com/office/powerpoint/2015/main" val="1"/>
               </p:ext>
             </p:extLst>
           </p:nvPr>
@@ -4516,7 +3977,7 @@
           <p:cNvPr id="2" name="Título 1">
             <a:extLst>
               <a:ext uri="{FF2B5EF4-FFF2-40B4-BE49-F238E27FC236}">
-                <a16:creationId xmlns:a16="http://schemas.microsoft.com/office/drawing/2014/main" xmlns="" id="{9127E563-E585-DD72-CA3C-6FC8F311A341}"/>
+                <a16:creationId xmlns:a16="http://schemas.microsoft.com/office/drawing/2014/main" id="{9127E563-E585-DD72-CA3C-6FC8F311A341}"/>
               </a:ext>
             </a:extLst>
           </p:cNvPr>
@@ -4551,7 +4012,7 @@
           <p:cNvPr id="3" name="Subtítulo 2">
             <a:extLst>
               <a:ext uri="{FF2B5EF4-FFF2-40B4-BE49-F238E27FC236}">
-                <a16:creationId xmlns:a16="http://schemas.microsoft.com/office/drawing/2014/main" xmlns="" id="{641757B1-B283-DFD4-AA93-26B9248F9B07}"/>
+                <a16:creationId xmlns:a16="http://schemas.microsoft.com/office/drawing/2014/main" id="{641757B1-B283-DFD4-AA93-26B9248F9B07}"/>
               </a:ext>
             </a:extLst>
           </p:cNvPr>
@@ -4608,7 +4069,7 @@
           <p:cNvPr id="4" name="Picture 3" descr="An abstract genetic concept">
             <a:extLst>
               <a:ext uri="{FF2B5EF4-FFF2-40B4-BE49-F238E27FC236}">
-                <a16:creationId xmlns:a16="http://schemas.microsoft.com/office/drawing/2014/main" xmlns="" id="{302635DD-FC50-3144-88EE-F768C4B792A7}"/>
+                <a16:creationId xmlns:a16="http://schemas.microsoft.com/office/drawing/2014/main" id="{302635DD-FC50-3144-88EE-F768C4B792A7}"/>
               </a:ext>
             </a:extLst>
           </p:cNvPr>
@@ -4667,7 +4128,7 @@
           <p:cNvPr id="3" name="Marcador de contenido 2">
             <a:extLst>
               <a:ext uri="{FF2B5EF4-FFF2-40B4-BE49-F238E27FC236}">
-                <a16:creationId xmlns:a16="http://schemas.microsoft.com/office/drawing/2014/main" xmlns="" id="{43187AC5-73DA-1ED1-8D27-3002DF3A0827}"/>
+                <a16:creationId xmlns:a16="http://schemas.microsoft.com/office/drawing/2014/main" id="{43187AC5-73DA-1ED1-8D27-3002DF3A0827}"/>
               </a:ext>
             </a:extLst>
           </p:cNvPr>
@@ -4703,7 +4164,7 @@
           <p:cNvPr id="4" name="Imagen 3">
             <a:extLst>
               <a:ext uri="{FF2B5EF4-FFF2-40B4-BE49-F238E27FC236}">
-                <a16:creationId xmlns:a16="http://schemas.microsoft.com/office/drawing/2014/main" xmlns="" id="{214E06C8-7A3E-D466-AD04-4CD8B3BAE20D}"/>
+                <a16:creationId xmlns:a16="http://schemas.microsoft.com/office/drawing/2014/main" id="{214E06C8-7A3E-D466-AD04-4CD8B3BAE20D}"/>
               </a:ext>
             </a:extLst>
           </p:cNvPr>
@@ -4733,7 +4194,7 @@
           <p:cNvPr id="5" name="Marcador de contenido 2">
             <a:extLst>
               <a:ext uri="{FF2B5EF4-FFF2-40B4-BE49-F238E27FC236}">
-                <a16:creationId xmlns:a16="http://schemas.microsoft.com/office/drawing/2014/main" xmlns="" id="{1D34F78E-AFE8-FCE6-0359-CD7B468B6630}"/>
+                <a16:creationId xmlns:a16="http://schemas.microsoft.com/office/drawing/2014/main" id="{1D34F78E-AFE8-FCE6-0359-CD7B468B6630}"/>
               </a:ext>
             </a:extLst>
           </p:cNvPr>
@@ -4965,7 +4426,7 @@
           <p:cNvPr id="2" name="Título 1">
             <a:extLst>
               <a:ext uri="{FF2B5EF4-FFF2-40B4-BE49-F238E27FC236}">
-                <a16:creationId xmlns:a16="http://schemas.microsoft.com/office/drawing/2014/main" xmlns="" id="{DB14B354-1BB3-259F-5777-C23ACE392A16}"/>
+                <a16:creationId xmlns:a16="http://schemas.microsoft.com/office/drawing/2014/main" id="{DB14B354-1BB3-259F-5777-C23ACE392A16}"/>
               </a:ext>
             </a:extLst>
           </p:cNvPr>
@@ -4989,10 +4450,6 @@
           <a:lstStyle/>
           <a:p>
             <a:pPr algn="ctr"/>
-            <a:r>
-              <a:rPr lang="es-MX" dirty="0"/>
-              <a:t/>
-            </a:r>
             <a:br>
               <a:rPr lang="es-MX" dirty="0"/>
             </a:br>
@@ -5008,7 +4465,7 @@
           <p:cNvPr id="5" name="Marcador de contenido 2">
             <a:extLst>
               <a:ext uri="{FF2B5EF4-FFF2-40B4-BE49-F238E27FC236}">
-                <a16:creationId xmlns:a16="http://schemas.microsoft.com/office/drawing/2014/main" xmlns="" id="{F2B9F111-1DC3-5423-0718-BBF5CB033C4E}"/>
+                <a16:creationId xmlns:a16="http://schemas.microsoft.com/office/drawing/2014/main" id="{F2B9F111-1DC3-5423-0718-BBF5CB033C4E}"/>
               </a:ext>
             </a:extLst>
           </p:cNvPr>
@@ -5032,15 +4489,14 @@
           <a:lstStyle/>
           <a:p>
             <a:r>
-              <a:rPr lang="es-MX" dirty="0" smtClean="0"/>
+              <a:rPr lang="es-MX" dirty="0"/>
               <a:t>ENCONTRANDO UN MODELO DE CLASIFICACION</a:t>
             </a:r>
-            <a:endParaRPr lang="es-MX" dirty="0" smtClean="0"/>
           </a:p>
           <a:p>
             <a:pPr lvl="1"/>
             <a:r>
-              <a:rPr lang="es-MX" dirty="0" smtClean="0"/>
+              <a:rPr lang="es-MX" dirty="0"/>
               <a:t>Del conjunto de datos, consideramos la columna SEMAFORO como una variable de salida, y las variables numéricas descritas en la Parte 1 (diferentes mediciones) como variables de entrada para usarlas en encontrar un modelo de clasificación predictivo siguiente los siguientes pasos:</a:t>
             </a:r>
           </a:p>
@@ -5050,7 +4506,7 @@
               <a:buAutoNum type="arabicPeriod"/>
             </a:pPr>
             <a:r>
-              <a:rPr lang="es-MX" dirty="0" smtClean="0"/>
+              <a:rPr lang="es-MX" dirty="0"/>
               <a:t>Generación de particiones de entrenamiento y prueba</a:t>
             </a:r>
           </a:p>
@@ -5060,7 +4516,7 @@
               <a:buAutoNum type="arabicPeriod"/>
             </a:pPr>
             <a:r>
-              <a:rPr lang="es-MX" dirty="0" smtClean="0"/>
+              <a:rPr lang="es-MX" dirty="0"/>
               <a:t>Codificación del semáforo a numérico</a:t>
             </a:r>
           </a:p>
@@ -5070,38 +4526,38 @@
               <a:buAutoNum type="arabicPeriod"/>
             </a:pPr>
             <a:r>
-              <a:rPr lang="es-MX" dirty="0" smtClean="0"/>
+              <a:rPr lang="es-MX" dirty="0"/>
               <a:t>Exploración de modelos </a:t>
             </a:r>
             <a:r>
-              <a:rPr lang="es-MX" dirty="0" err="1" smtClean="0"/>
+              <a:rPr lang="es-MX" dirty="0" err="1"/>
               <a:t>Decision</a:t>
             </a:r>
             <a:r>
-              <a:rPr lang="es-MX" dirty="0" smtClean="0"/>
+              <a:rPr lang="es-MX" dirty="0"/>
               <a:t> </a:t>
             </a:r>
             <a:r>
-              <a:rPr lang="es-MX" dirty="0" err="1" smtClean="0"/>
+              <a:rPr lang="es-MX" dirty="0" err="1"/>
               <a:t>Tree</a:t>
             </a:r>
             <a:r>
-              <a:rPr lang="es-MX" dirty="0" smtClean="0"/>
+              <a:rPr lang="es-MX" dirty="0"/>
               <a:t> y </a:t>
             </a:r>
             <a:r>
-              <a:rPr lang="es-MX" dirty="0" err="1" smtClean="0"/>
+              <a:rPr lang="es-MX" dirty="0" err="1"/>
               <a:t>Random</a:t>
             </a:r>
             <a:r>
-              <a:rPr lang="es-MX" dirty="0" smtClean="0"/>
+              <a:rPr lang="es-MX" dirty="0"/>
               <a:t> </a:t>
             </a:r>
             <a:r>
-              <a:rPr lang="es-MX" dirty="0" err="1" smtClean="0"/>
+              <a:rPr lang="es-MX" dirty="0" err="1"/>
               <a:t>Forest</a:t>
             </a:r>
-            <a:endParaRPr lang="es-MX" dirty="0" smtClean="0"/>
+            <a:endParaRPr lang="es-MX" dirty="0"/>
           </a:p>
           <a:p>
             <a:pPr marL="1165860" lvl="4" indent="-342900">
@@ -5109,7 +4565,7 @@
               <a:buAutoNum type="arabicPeriod"/>
             </a:pPr>
             <a:r>
-              <a:rPr lang="es-MX" dirty="0" smtClean="0"/>
+              <a:rPr lang="es-MX" dirty="0"/>
               <a:t>Iteración de mejores parámetros</a:t>
             </a:r>
           </a:p>
@@ -5119,7 +4575,7 @@
               <a:buAutoNum type="arabicPeriod"/>
             </a:pPr>
             <a:r>
-              <a:rPr lang="es-MX" dirty="0" smtClean="0"/>
+              <a:rPr lang="es-MX" dirty="0"/>
               <a:t>Analizando las variables de mayor importancia</a:t>
             </a:r>
           </a:p>
@@ -5129,7 +4585,7 @@
               <a:buAutoNum type="arabicPeriod"/>
             </a:pPr>
             <a:r>
-              <a:rPr lang="es-MX" dirty="0" smtClean="0"/>
+              <a:rPr lang="es-MX" dirty="0"/>
               <a:t>Comparando los resultados entre ambos</a:t>
             </a:r>
           </a:p>
@@ -5139,16 +4595,8 @@
               <a:buAutoNum type="arabicPeriod"/>
             </a:pPr>
             <a:r>
-              <a:rPr lang="es-MX" dirty="0" smtClean="0"/>
-              <a:t>Comparación </a:t>
-            </a:r>
-            <a:r>
               <a:rPr lang="es-MX" dirty="0"/>
-              <a:t>contra modelos EXTRATREE, LINEARSVC Y </a:t>
-            </a:r>
-            <a:r>
-              <a:rPr lang="es-MX" dirty="0" smtClean="0"/>
-              <a:t>MLPCLASSIFIER</a:t>
+              <a:t>Comparación contra modelos EXTRATREE, LINEARSVC Y MLPCLASSIFIER</a:t>
             </a:r>
           </a:p>
           <a:p>
@@ -5157,7 +4605,7 @@
               <a:buAutoNum type="arabicPeriod"/>
             </a:pPr>
             <a:r>
-              <a:rPr lang="es-MX" dirty="0" smtClean="0"/>
+              <a:rPr lang="es-MX" dirty="0"/>
               <a:t>Visualización de resultados</a:t>
             </a:r>
           </a:p>
@@ -5167,7 +4615,7 @@
               <a:buAutoNum type="arabicPeriod"/>
             </a:pPr>
             <a:r>
-              <a:rPr lang="es-MX" dirty="0" smtClean="0"/>
+              <a:rPr lang="es-MX" dirty="0"/>
               <a:t>Conclusiones Finales</a:t>
             </a:r>
           </a:p>
@@ -5176,14 +4624,14 @@
               <a:buFont typeface="+mj-lt"/>
               <a:buAutoNum type="arabicPeriod"/>
             </a:pPr>
-            <a:endParaRPr lang="es-MX" dirty="0" smtClean="0"/>
+            <a:endParaRPr lang="es-MX" dirty="0"/>
           </a:p>
           <a:p>
             <a:pPr marL="937260" lvl="3" indent="-342900">
               <a:buFont typeface="+mj-lt"/>
               <a:buAutoNum type="arabicPeriod"/>
             </a:pPr>
-            <a:endParaRPr lang="es-MX" dirty="0" smtClean="0"/>
+            <a:endParaRPr lang="es-MX" dirty="0"/>
           </a:p>
           <a:p>
             <a:pPr marL="891540" lvl="2" indent="-342900">
@@ -5229,7 +4677,7 @@
           <p:cNvPr id="4" name="Título 1">
             <a:extLst>
               <a:ext uri="{FF2B5EF4-FFF2-40B4-BE49-F238E27FC236}">
-                <a16:creationId xmlns:a16="http://schemas.microsoft.com/office/drawing/2014/main" xmlns="" id="{DB14B354-1BB3-259F-5777-C23ACE392A16}"/>
+                <a16:creationId xmlns:a16="http://schemas.microsoft.com/office/drawing/2014/main" id="{DB14B354-1BB3-259F-5777-C23ACE392A16}"/>
               </a:ext>
             </a:extLst>
           </p:cNvPr>
@@ -5273,18 +4721,13 @@
           </a:lstStyle>
           <a:p>
             <a:pPr algn="ctr"/>
-            <a:r>
-              <a:rPr lang="es-MX" dirty="0" smtClean="0"/>
-              <a:t/>
-            </a:r>
             <a:br>
-              <a:rPr lang="es-MX" dirty="0" smtClean="0"/>
+              <a:rPr lang="es-MX" dirty="0"/>
             </a:br>
             <a:r>
-              <a:rPr lang="es-MX" dirty="0" smtClean="0"/>
+              <a:rPr lang="es-MX" dirty="0"/>
               <a:t>Particiones de entrenamiento y etiquetado de variable de salida</a:t>
             </a:r>
-            <a:endParaRPr lang="es-MX" dirty="0"/>
           </a:p>
         </p:txBody>
       </p:sp>
@@ -5451,7 +4894,7 @@
           <p:cNvPr id="4" name="Título 1">
             <a:extLst>
               <a:ext uri="{FF2B5EF4-FFF2-40B4-BE49-F238E27FC236}">
-                <a16:creationId xmlns:a16="http://schemas.microsoft.com/office/drawing/2014/main" xmlns="" id="{DB14B354-1BB3-259F-5777-C23ACE392A16}"/>
+                <a16:creationId xmlns:a16="http://schemas.microsoft.com/office/drawing/2014/main" id="{DB14B354-1BB3-259F-5777-C23ACE392A16}"/>
               </a:ext>
             </a:extLst>
           </p:cNvPr>
@@ -5495,23 +4938,19 @@
           </a:lstStyle>
           <a:p>
             <a:pPr algn="ctr"/>
-            <a:r>
-              <a:rPr lang="es-MX" dirty="0" smtClean="0"/>
-              <a:t/>
-            </a:r>
             <a:br>
-              <a:rPr lang="es-MX" dirty="0" smtClean="0"/>
+              <a:rPr lang="es-MX" dirty="0"/>
             </a:br>
             <a:r>
-              <a:rPr lang="es-MX" dirty="0" err="1" smtClean="0"/>
+              <a:rPr lang="es-MX" dirty="0" err="1"/>
               <a:t>Decision</a:t>
             </a:r>
             <a:r>
-              <a:rPr lang="es-MX" dirty="0" smtClean="0"/>
+              <a:rPr lang="es-MX" dirty="0"/>
               <a:t> </a:t>
             </a:r>
             <a:r>
-              <a:rPr lang="es-MX" dirty="0" err="1" smtClean="0"/>
+              <a:rPr lang="es-MX" dirty="0" err="1"/>
               <a:t>Tree</a:t>
             </a:r>
             <a:endParaRPr lang="es-MX" dirty="0"/>
@@ -5722,7 +5161,7 @@
               <a:tabLst/>
             </a:pPr>
             <a:r>
-              <a:rPr kumimoji="0" lang="en-US" sz="1050" b="1" i="0" u="none" strike="noStrike" cap="none" normalizeH="0" baseline="0" dirty="0" err="1" smtClean="0">
+              <a:rPr kumimoji="0" lang="en-US" sz="1050" b="1" i="0" u="none" strike="noStrike" cap="none" normalizeH="0" baseline="0" dirty="0" err="1">
                 <a:ln>
                   <a:noFill/>
                 </a:ln>
@@ -5736,7 +5175,7 @@
               <a:t>Mejores</a:t>
             </a:r>
             <a:r>
-              <a:rPr kumimoji="0" lang="en-US" sz="1050" b="1" i="0" u="none" strike="noStrike" cap="none" normalizeH="0" baseline="0" dirty="0" smtClean="0">
+              <a:rPr kumimoji="0" lang="en-US" sz="1050" b="1" i="0" u="none" strike="noStrike" cap="none" normalizeH="0" baseline="0" dirty="0">
                 <a:ln>
                   <a:noFill/>
                 </a:ln>
@@ -5750,7 +5189,7 @@
               <a:t> </a:t>
             </a:r>
             <a:r>
-              <a:rPr kumimoji="0" lang="en-US" sz="1050" b="1" i="0" u="none" strike="noStrike" cap="none" normalizeH="0" baseline="0" dirty="0" err="1" smtClean="0">
+              <a:rPr kumimoji="0" lang="en-US" sz="1050" b="1" i="0" u="none" strike="noStrike" cap="none" normalizeH="0" baseline="0" dirty="0" err="1">
                 <a:ln>
                   <a:noFill/>
                 </a:ln>
@@ -5764,7 +5203,7 @@
               <a:t>parámetros</a:t>
             </a:r>
             <a:r>
-              <a:rPr kumimoji="0" lang="en-US" sz="1050" b="1" i="0" u="none" strike="noStrike" cap="none" normalizeH="0" baseline="0" dirty="0" smtClean="0">
+              <a:rPr kumimoji="0" lang="en-US" sz="1050" b="1" i="0" u="none" strike="noStrike" cap="none" normalizeH="0" baseline="0" dirty="0">
                 <a:ln>
                   <a:noFill/>
                 </a:ln>
@@ -5778,7 +5217,7 @@
               <a:t> </a:t>
             </a:r>
             <a:r>
-              <a:rPr kumimoji="0" lang="en-US" sz="1050" b="1" i="0" u="none" strike="noStrike" cap="none" normalizeH="0" baseline="0" dirty="0" err="1" smtClean="0">
+              <a:rPr kumimoji="0" lang="en-US" sz="1050" b="1" i="0" u="none" strike="noStrike" cap="none" normalizeH="0" baseline="0" dirty="0" err="1">
                 <a:ln>
                   <a:noFill/>
                 </a:ln>
@@ -5792,7 +5231,7 @@
               <a:t>encontrados</a:t>
             </a:r>
             <a:r>
-              <a:rPr kumimoji="0" lang="en-US" sz="1050" b="1" i="0" u="none" strike="noStrike" cap="none" normalizeH="0" baseline="0" dirty="0" smtClean="0">
+              <a:rPr kumimoji="0" lang="en-US" sz="1050" b="1" i="0" u="none" strike="noStrike" cap="none" normalizeH="0" baseline="0" dirty="0">
                 <a:ln>
                   <a:noFill/>
                 </a:ln>
@@ -5823,7 +5262,7 @@
               <a:buNone/>
               <a:tabLst/>
             </a:pPr>
-            <a:endParaRPr kumimoji="0" lang="en-US" sz="1000" b="0" i="0" u="none" strike="noStrike" cap="none" normalizeH="0" baseline="0" dirty="0" smtClean="0">
+            <a:endParaRPr kumimoji="0" lang="en-US" sz="1000" b="0" i="0" u="none" strike="noStrike" cap="none" normalizeH="0" baseline="0" dirty="0">
               <a:ln>
                 <a:noFill/>
               </a:ln>
@@ -5853,7 +5292,7 @@
               <a:tabLst/>
             </a:pPr>
             <a:r>
-              <a:rPr kumimoji="0" lang="en-US" sz="1000" b="0" i="0" u="none" strike="noStrike" cap="none" normalizeH="0" baseline="0" dirty="0" err="1" smtClean="0">
+              <a:rPr kumimoji="0" lang="en-US" sz="1000" b="0" i="0" u="none" strike="noStrike" cap="none" normalizeH="0" baseline="0" dirty="0" err="1">
                 <a:ln>
                   <a:noFill/>
                 </a:ln>
@@ -5867,7 +5306,7 @@
               <a:t>DecisionTreeClassifier</a:t>
             </a:r>
             <a:r>
-              <a:rPr kumimoji="0" lang="en-US" sz="1000" b="0" i="0" u="none" strike="noStrike" cap="none" normalizeH="0" baseline="0" dirty="0" smtClean="0">
+              <a:rPr kumimoji="0" lang="en-US" sz="1000" b="0" i="0" u="none" strike="noStrike" cap="none" normalizeH="0" baseline="0" dirty="0">
                 <a:ln>
                   <a:noFill/>
                 </a:ln>
@@ -5881,7 +5320,7 @@
               <a:t>(</a:t>
             </a:r>
             <a:r>
-              <a:rPr kumimoji="0" lang="en-US" sz="1000" b="1" i="0" u="none" strike="noStrike" cap="none" normalizeH="0" baseline="0" dirty="0" err="1" smtClean="0">
+              <a:rPr kumimoji="0" lang="en-US" sz="1000" b="1" i="0" u="none" strike="noStrike" cap="none" normalizeH="0" baseline="0" dirty="0" err="1">
                 <a:ln>
                   <a:noFill/>
                 </a:ln>
@@ -5895,7 +5334,7 @@
               <a:t>max_depth</a:t>
             </a:r>
             <a:r>
-              <a:rPr kumimoji="0" lang="en-US" sz="1000" b="1" i="0" u="none" strike="noStrike" cap="none" normalizeH="0" baseline="0" dirty="0" smtClean="0">
+              <a:rPr kumimoji="0" lang="en-US" sz="1000" b="1" i="0" u="none" strike="noStrike" cap="none" normalizeH="0" baseline="0" dirty="0">
                 <a:ln>
                   <a:noFill/>
                 </a:ln>
@@ -5909,7 +5348,7 @@
               <a:t>=6</a:t>
             </a:r>
             <a:r>
-              <a:rPr kumimoji="0" lang="en-US" sz="1000" b="0" i="0" u="none" strike="noStrike" cap="none" normalizeH="0" baseline="0" dirty="0" smtClean="0">
+              <a:rPr kumimoji="0" lang="en-US" sz="1000" b="0" i="0" u="none" strike="noStrike" cap="none" normalizeH="0" baseline="0" dirty="0">
                 <a:ln>
                   <a:noFill/>
                 </a:ln>
@@ -5923,7 +5362,7 @@
               <a:t>, </a:t>
             </a:r>
             <a:r>
-              <a:rPr kumimoji="0" lang="en-US" sz="1000" b="0" i="0" u="none" strike="noStrike" cap="none" normalizeH="0" baseline="0" dirty="0" err="1" smtClean="0">
+              <a:rPr kumimoji="0" lang="en-US" sz="1000" b="0" i="0" u="none" strike="noStrike" cap="none" normalizeH="0" baseline="0" dirty="0" err="1">
                 <a:ln>
                   <a:noFill/>
                 </a:ln>
@@ -5937,7 +5376,7 @@
               <a:t>max_leaf_nodes</a:t>
             </a:r>
             <a:r>
-              <a:rPr kumimoji="0" lang="en-US" sz="1000" b="0" i="0" u="none" strike="noStrike" cap="none" normalizeH="0" baseline="0" dirty="0" smtClean="0">
+              <a:rPr kumimoji="0" lang="en-US" sz="1000" b="0" i="0" u="none" strike="noStrike" cap="none" normalizeH="0" baseline="0" dirty="0">
                 <a:ln>
                   <a:noFill/>
                 </a:ln>
@@ -5951,7 +5390,7 @@
               <a:t>=12, </a:t>
             </a:r>
             <a:r>
-              <a:rPr kumimoji="0" lang="en-US" sz="1000" b="0" i="0" u="none" strike="noStrike" cap="none" normalizeH="0" baseline="0" dirty="0" err="1" smtClean="0">
+              <a:rPr kumimoji="0" lang="en-US" sz="1000" b="0" i="0" u="none" strike="noStrike" cap="none" normalizeH="0" baseline="0" dirty="0" err="1">
                 <a:ln>
                   <a:noFill/>
                 </a:ln>
@@ -5965,7 +5404,7 @@
               <a:t>random_state</a:t>
             </a:r>
             <a:r>
-              <a:rPr kumimoji="0" lang="en-US" sz="1000" b="0" i="0" u="none" strike="noStrike" cap="none" normalizeH="0" baseline="0" dirty="0" smtClean="0">
+              <a:rPr kumimoji="0" lang="en-US" sz="1000" b="0" i="0" u="none" strike="noStrike" cap="none" normalizeH="0" baseline="0" dirty="0">
                 <a:ln>
                   <a:noFill/>
                 </a:ln>
@@ -5979,7 +5418,7 @@
               <a:t>=42)</a:t>
             </a:r>
             <a:r>
-              <a:rPr kumimoji="0" lang="en-US" sz="800" b="0" i="0" u="none" strike="noStrike" cap="none" normalizeH="0" baseline="0" dirty="0" smtClean="0">
+              <a:rPr kumimoji="0" lang="en-US" sz="800" b="0" i="0" u="none" strike="noStrike" cap="none" normalizeH="0" baseline="0" dirty="0">
                 <a:ln>
                   <a:noFill/>
                 </a:ln>
@@ -5992,7 +5431,7 @@
               </a:rPr>
               <a:t> </a:t>
             </a:r>
-            <a:endParaRPr kumimoji="0" lang="en-US" sz="1800" b="0" i="0" u="none" strike="noStrike" cap="none" normalizeH="0" baseline="0" dirty="0" smtClean="0">
+            <a:endParaRPr kumimoji="0" lang="en-US" sz="1800" b="0" i="0" u="none" strike="noStrike" cap="none" normalizeH="0" baseline="0" dirty="0">
               <a:ln>
                 <a:noFill/>
               </a:ln>
@@ -6105,7 +5544,7 @@
           <p:cNvPr id="4" name="Título 1">
             <a:extLst>
               <a:ext uri="{FF2B5EF4-FFF2-40B4-BE49-F238E27FC236}">
-                <a16:creationId xmlns:a16="http://schemas.microsoft.com/office/drawing/2014/main" xmlns="" id="{DB14B354-1BB3-259F-5777-C23ACE392A16}"/>
+                <a16:creationId xmlns:a16="http://schemas.microsoft.com/office/drawing/2014/main" id="{DB14B354-1BB3-259F-5777-C23ACE392A16}"/>
               </a:ext>
             </a:extLst>
           </p:cNvPr>
@@ -6149,23 +5588,19 @@
           </a:lstStyle>
           <a:p>
             <a:pPr algn="ctr"/>
-            <a:r>
-              <a:rPr lang="es-MX" dirty="0" smtClean="0"/>
-              <a:t/>
-            </a:r>
             <a:br>
-              <a:rPr lang="es-MX" dirty="0" smtClean="0"/>
+              <a:rPr lang="es-MX" dirty="0"/>
             </a:br>
             <a:r>
-              <a:rPr lang="es-MX" dirty="0" err="1" smtClean="0"/>
+              <a:rPr lang="es-MX" dirty="0" err="1"/>
               <a:t>Random</a:t>
             </a:r>
             <a:r>
-              <a:rPr lang="es-MX" dirty="0" smtClean="0"/>
+              <a:rPr lang="es-MX" dirty="0"/>
               <a:t> </a:t>
             </a:r>
             <a:r>
-              <a:rPr lang="es-MX" dirty="0" err="1" smtClean="0"/>
+              <a:rPr lang="es-MX" dirty="0" err="1"/>
               <a:t>Forest</a:t>
             </a:r>
             <a:endParaRPr lang="es-MX" dirty="0"/>
@@ -6248,7 +5683,7 @@
               <a:tabLst/>
             </a:pPr>
             <a:r>
-              <a:rPr kumimoji="0" lang="en-US" sz="1050" b="1" i="0" u="none" strike="noStrike" cap="none" normalizeH="0" baseline="0" dirty="0" err="1" smtClean="0">
+              <a:rPr kumimoji="0" lang="en-US" sz="1050" b="1" i="0" u="none" strike="noStrike" cap="none" normalizeH="0" baseline="0" dirty="0" err="1">
                 <a:ln>
                   <a:noFill/>
                 </a:ln>
@@ -6262,7 +5697,7 @@
               <a:t>Mejores</a:t>
             </a:r>
             <a:r>
-              <a:rPr kumimoji="0" lang="en-US" sz="1050" b="1" i="0" u="none" strike="noStrike" cap="none" normalizeH="0" baseline="0" dirty="0" smtClean="0">
+              <a:rPr kumimoji="0" lang="en-US" sz="1050" b="1" i="0" u="none" strike="noStrike" cap="none" normalizeH="0" baseline="0" dirty="0">
                 <a:ln>
                   <a:noFill/>
                 </a:ln>
@@ -6276,7 +5711,7 @@
               <a:t> </a:t>
             </a:r>
             <a:r>
-              <a:rPr kumimoji="0" lang="en-US" sz="1050" b="1" i="0" u="none" strike="noStrike" cap="none" normalizeH="0" baseline="0" dirty="0" err="1" smtClean="0">
+              <a:rPr kumimoji="0" lang="en-US" sz="1050" b="1" i="0" u="none" strike="noStrike" cap="none" normalizeH="0" baseline="0" dirty="0" err="1">
                 <a:ln>
                   <a:noFill/>
                 </a:ln>
@@ -6290,7 +5725,7 @@
               <a:t>parámetros</a:t>
             </a:r>
             <a:r>
-              <a:rPr kumimoji="0" lang="en-US" sz="1050" b="1" i="0" u="none" strike="noStrike" cap="none" normalizeH="0" baseline="0" dirty="0" smtClean="0">
+              <a:rPr kumimoji="0" lang="en-US" sz="1050" b="1" i="0" u="none" strike="noStrike" cap="none" normalizeH="0" baseline="0" dirty="0">
                 <a:ln>
                   <a:noFill/>
                 </a:ln>
@@ -6304,7 +5739,7 @@
               <a:t> </a:t>
             </a:r>
             <a:r>
-              <a:rPr kumimoji="0" lang="en-US" sz="1050" b="1" i="0" u="none" strike="noStrike" cap="none" normalizeH="0" baseline="0" dirty="0" err="1" smtClean="0">
+              <a:rPr kumimoji="0" lang="en-US" sz="1050" b="1" i="0" u="none" strike="noStrike" cap="none" normalizeH="0" baseline="0" dirty="0" err="1">
                 <a:ln>
                   <a:noFill/>
                 </a:ln>
@@ -6318,7 +5753,7 @@
               <a:t>encontrados</a:t>
             </a:r>
             <a:r>
-              <a:rPr kumimoji="0" lang="en-US" sz="1050" b="1" i="0" u="none" strike="noStrike" cap="none" normalizeH="0" baseline="0" dirty="0" smtClean="0">
+              <a:rPr kumimoji="0" lang="en-US" sz="1050" b="1" i="0" u="none" strike="noStrike" cap="none" normalizeH="0" baseline="0" dirty="0">
                 <a:ln>
                   <a:noFill/>
                 </a:ln>
@@ -6341,7 +5776,7 @@
                 <a:spcPct val="0"/>
               </a:spcAft>
             </a:pPr>
-            <a:endParaRPr lang="en-US" sz="1000" dirty="0" smtClean="0"/>
+            <a:endParaRPr lang="en-US" sz="1000" dirty="0"/>
           </a:p>
           <a:p>
             <a:pPr lvl="0" fontAlgn="base">
@@ -6353,24 +5788,20 @@
               </a:spcAft>
             </a:pPr>
             <a:r>
-              <a:rPr lang="en-US" sz="1000" dirty="0" err="1" smtClean="0"/>
+              <a:rPr lang="en-US" sz="1000" dirty="0" err="1"/>
               <a:t>RandomForestClassifier</a:t>
             </a:r>
             <a:r>
-              <a:rPr lang="en-US" sz="1000" dirty="0" smtClean="0"/>
+              <a:rPr lang="en-US" sz="1000" dirty="0"/>
               <a:t>(</a:t>
             </a:r>
             <a:r>
-              <a:rPr lang="en-US" sz="1000" dirty="0" err="1" smtClean="0"/>
+              <a:rPr lang="en-US" sz="1000" dirty="0" err="1"/>
               <a:t>max_leaf_nodes</a:t>
             </a:r>
             <a:r>
-              <a:rPr lang="en-US" sz="1000" dirty="0" smtClean="0"/>
-              <a:t>=64</a:t>
-            </a:r>
-            <a:r>
               <a:rPr lang="en-US" sz="1000" dirty="0"/>
-              <a:t>, </a:t>
+              <a:t>=64, </a:t>
             </a:r>
             <a:r>
               <a:rPr lang="en-US" sz="1000" dirty="0" err="1"/>
@@ -6396,7 +5827,7 @@
               <a:rPr lang="en-US" sz="1000" dirty="0"/>
               <a:t>=42)</a:t>
             </a:r>
-            <a:endParaRPr kumimoji="0" lang="en-US" sz="1800" b="0" i="0" u="none" strike="noStrike" cap="none" normalizeH="0" baseline="0" dirty="0" smtClean="0">
+            <a:endParaRPr kumimoji="0" lang="en-US" sz="1800" b="0" i="0" u="none" strike="noStrike" cap="none" normalizeH="0" baseline="0" dirty="0">
               <a:ln>
                 <a:noFill/>
               </a:ln>
@@ -6573,7 +6004,7 @@
           <p:cNvPr id="4" name="Título 1">
             <a:extLst>
               <a:ext uri="{FF2B5EF4-FFF2-40B4-BE49-F238E27FC236}">
-                <a16:creationId xmlns:a16="http://schemas.microsoft.com/office/drawing/2014/main" xmlns="" id="{DB14B354-1BB3-259F-5777-C23ACE392A16}"/>
+                <a16:creationId xmlns:a16="http://schemas.microsoft.com/office/drawing/2014/main" id="{DB14B354-1BB3-259F-5777-C23ACE392A16}"/>
               </a:ext>
             </a:extLst>
           </p:cNvPr>
@@ -6618,46 +6049,42 @@
           <a:p>
             <a:pPr algn="ctr"/>
             <a:r>
-              <a:rPr lang="es-MX" dirty="0" smtClean="0"/>
+              <a:rPr lang="es-MX" dirty="0"/>
               <a:t>Reporte de </a:t>
             </a:r>
             <a:r>
-              <a:rPr lang="es-MX" dirty="0" err="1" smtClean="0"/>
+              <a:rPr lang="es-MX" dirty="0" err="1"/>
               <a:t>Clasificacion</a:t>
             </a:r>
-            <a:r>
-              <a:rPr lang="es-MX" dirty="0" smtClean="0"/>
-              <a:t/>
-            </a:r>
             <a:br>
-              <a:rPr lang="es-MX" dirty="0" smtClean="0"/>
+              <a:rPr lang="es-MX" dirty="0"/>
             </a:br>
             <a:r>
-              <a:rPr lang="es-MX" dirty="0" err="1" smtClean="0"/>
+              <a:rPr lang="es-MX" dirty="0" err="1"/>
               <a:t>Decision</a:t>
             </a:r>
             <a:r>
-              <a:rPr lang="es-MX" dirty="0" smtClean="0"/>
+              <a:rPr lang="es-MX" dirty="0"/>
               <a:t> </a:t>
             </a:r>
             <a:r>
-              <a:rPr lang="es-MX" dirty="0" err="1" smtClean="0"/>
+              <a:rPr lang="es-MX" dirty="0" err="1"/>
               <a:t>Tree</a:t>
             </a:r>
             <a:r>
-              <a:rPr lang="es-MX" dirty="0" smtClean="0"/>
+              <a:rPr lang="es-MX" dirty="0"/>
               <a:t> vs </a:t>
             </a:r>
             <a:r>
-              <a:rPr lang="es-MX" dirty="0" err="1" smtClean="0"/>
+              <a:rPr lang="es-MX" dirty="0" err="1"/>
               <a:t>Random</a:t>
             </a:r>
             <a:r>
-              <a:rPr lang="es-MX" dirty="0" smtClean="0"/>
+              <a:rPr lang="es-MX" dirty="0"/>
               <a:t> </a:t>
             </a:r>
             <a:r>
-              <a:rPr lang="es-MX" dirty="0" err="1" smtClean="0"/>
+              <a:rPr lang="es-MX" dirty="0" err="1"/>
               <a:t>Forest</a:t>
             </a:r>
             <a:endParaRPr lang="es-MX" dirty="0"/>
@@ -6866,13 +6293,13 @@
               <a:tabLst/>
             </a:pPr>
             <a:r>
-              <a:rPr lang="en-US" sz="1400" b="1" dirty="0" smtClean="0">
+              <a:rPr lang="en-US" sz="1400" b="1" dirty="0">
                 <a:latin typeface="Avenir Next LT Pro (Headings)"/>
                 <a:cs typeface="Arial" pitchFamily="34" charset="0"/>
               </a:rPr>
               <a:t>Decision Tree</a:t>
             </a:r>
-            <a:endParaRPr kumimoji="0" lang="en-US" sz="2800" b="0" i="0" u="none" strike="noStrike" cap="none" normalizeH="0" baseline="0" dirty="0" smtClean="0">
+            <a:endParaRPr kumimoji="0" lang="en-US" sz="2800" b="0" i="0" u="none" strike="noStrike" cap="none" normalizeH="0" baseline="0" dirty="0">
               <a:ln>
                 <a:noFill/>
               </a:ln>
@@ -6962,13 +6389,13 @@
               <a:tabLst/>
             </a:pPr>
             <a:r>
-              <a:rPr lang="en-US" sz="1400" b="1" dirty="0" smtClean="0">
+              <a:rPr lang="en-US" sz="1400" b="1" dirty="0">
                 <a:latin typeface="Avenir Next LT Pro (Headings)"/>
                 <a:cs typeface="Arial" pitchFamily="34" charset="0"/>
               </a:rPr>
               <a:t>Random Forest</a:t>
             </a:r>
-            <a:endParaRPr kumimoji="0" lang="en-US" sz="2800" b="0" i="0" u="none" strike="noStrike" cap="none" normalizeH="0" baseline="0" dirty="0" smtClean="0">
+            <a:endParaRPr kumimoji="0" lang="en-US" sz="2800" b="0" i="0" u="none" strike="noStrike" cap="none" normalizeH="0" baseline="0" dirty="0">
               <a:ln>
                 <a:noFill/>
               </a:ln>
@@ -7058,223 +6485,223 @@
               <a:tabLst/>
             </a:pPr>
             <a:r>
-              <a:rPr lang="en-US" sz="1400" b="1" dirty="0" smtClean="0">
+              <a:rPr lang="en-US" sz="1400" b="1" dirty="0">
                 <a:latin typeface="Avenir Next LT Pro (Headings)"/>
                 <a:cs typeface="Arial" pitchFamily="34" charset="0"/>
               </a:rPr>
               <a:t>El </a:t>
             </a:r>
             <a:r>
-              <a:rPr lang="en-US" sz="1400" b="1" dirty="0" err="1" smtClean="0">
+              <a:rPr lang="en-US" sz="1400" b="1" dirty="0" err="1">
                 <a:latin typeface="Avenir Next LT Pro (Headings)"/>
                 <a:cs typeface="Arial" pitchFamily="34" charset="0"/>
               </a:rPr>
               <a:t>reporte</a:t>
             </a:r>
             <a:r>
-              <a:rPr lang="en-US" sz="1400" b="1" dirty="0" smtClean="0">
+              <a:rPr lang="en-US" sz="1400" b="1" dirty="0">
                 <a:latin typeface="Avenir Next LT Pro (Headings)"/>
                 <a:cs typeface="Arial" pitchFamily="34" charset="0"/>
               </a:rPr>
               <a:t> </a:t>
             </a:r>
             <a:r>
-              <a:rPr lang="en-US" sz="1400" b="1" dirty="0" err="1" smtClean="0">
+              <a:rPr lang="en-US" sz="1400" b="1" dirty="0" err="1">
                 <a:latin typeface="Avenir Next LT Pro (Headings)"/>
                 <a:cs typeface="Arial" pitchFamily="34" charset="0"/>
               </a:rPr>
               <a:t>muestra</a:t>
             </a:r>
             <a:r>
-              <a:rPr lang="en-US" sz="1400" b="1" dirty="0" smtClean="0">
+              <a:rPr lang="en-US" sz="1400" b="1" dirty="0">
                 <a:latin typeface="Avenir Next LT Pro (Headings)"/>
                 <a:cs typeface="Arial" pitchFamily="34" charset="0"/>
               </a:rPr>
               <a:t> </a:t>
             </a:r>
             <a:r>
-              <a:rPr lang="en-US" sz="1400" b="1" dirty="0" err="1" smtClean="0">
+              <a:rPr lang="en-US" sz="1400" b="1" dirty="0" err="1">
                 <a:latin typeface="Avenir Next LT Pro (Headings)"/>
                 <a:cs typeface="Arial" pitchFamily="34" charset="0"/>
               </a:rPr>
               <a:t>que</a:t>
             </a:r>
             <a:r>
-              <a:rPr lang="en-US" sz="1400" b="1" dirty="0" smtClean="0">
+              <a:rPr lang="en-US" sz="1400" b="1" dirty="0">
                 <a:latin typeface="Avenir Next LT Pro (Headings)"/>
                 <a:cs typeface="Arial" pitchFamily="34" charset="0"/>
               </a:rPr>
               <a:t> Random Forest </a:t>
             </a:r>
             <a:r>
-              <a:rPr lang="en-US" sz="1400" b="1" dirty="0" err="1" smtClean="0">
+              <a:rPr lang="en-US" sz="1400" b="1" dirty="0" err="1">
                 <a:latin typeface="Avenir Next LT Pro (Headings)"/>
                 <a:cs typeface="Arial" pitchFamily="34" charset="0"/>
               </a:rPr>
               <a:t>obtiene</a:t>
             </a:r>
             <a:r>
-              <a:rPr lang="en-US" sz="1400" b="1" dirty="0" smtClean="0">
+              <a:rPr lang="en-US" sz="1400" b="1" dirty="0">
                 <a:latin typeface="Avenir Next LT Pro (Headings)"/>
                 <a:cs typeface="Arial" pitchFamily="34" charset="0"/>
               </a:rPr>
               <a:t> </a:t>
             </a:r>
             <a:r>
-              <a:rPr lang="en-US" sz="1400" b="1" dirty="0" err="1" smtClean="0">
+              <a:rPr lang="en-US" sz="1400" b="1" dirty="0" err="1">
                 <a:latin typeface="Avenir Next LT Pro (Headings)"/>
                 <a:cs typeface="Arial" pitchFamily="34" charset="0"/>
               </a:rPr>
               <a:t>mejores</a:t>
             </a:r>
             <a:r>
-              <a:rPr lang="en-US" sz="1400" b="1" dirty="0" smtClean="0">
+              <a:rPr lang="en-US" sz="1400" b="1" dirty="0">
                 <a:latin typeface="Avenir Next LT Pro (Headings)"/>
                 <a:cs typeface="Arial" pitchFamily="34" charset="0"/>
               </a:rPr>
               <a:t> </a:t>
             </a:r>
             <a:r>
-              <a:rPr lang="en-US" sz="1400" b="1" dirty="0" err="1" smtClean="0">
+              <a:rPr lang="en-US" sz="1400" b="1" dirty="0" err="1">
                 <a:latin typeface="Avenir Next LT Pro (Headings)"/>
                 <a:cs typeface="Arial" pitchFamily="34" charset="0"/>
               </a:rPr>
               <a:t>puntajes</a:t>
             </a:r>
             <a:r>
-              <a:rPr lang="en-US" sz="1400" b="1" dirty="0" smtClean="0">
+              <a:rPr lang="en-US" sz="1400" b="1" dirty="0">
                 <a:latin typeface="Avenir Next LT Pro (Headings)"/>
                 <a:cs typeface="Arial" pitchFamily="34" charset="0"/>
               </a:rPr>
               <a:t> en </a:t>
             </a:r>
             <a:r>
-              <a:rPr lang="en-US" sz="1400" b="1" dirty="0" err="1" smtClean="0">
+              <a:rPr lang="en-US" sz="1400" b="1" dirty="0" err="1">
                 <a:latin typeface="Avenir Next LT Pro (Headings)"/>
                 <a:cs typeface="Arial" pitchFamily="34" charset="0"/>
               </a:rPr>
               <a:t>cuanto</a:t>
             </a:r>
             <a:r>
-              <a:rPr lang="en-US" sz="1400" b="1" dirty="0" smtClean="0">
+              <a:rPr lang="en-US" sz="1400" b="1" dirty="0">
                 <a:latin typeface="Avenir Next LT Pro (Headings)"/>
                 <a:cs typeface="Arial" pitchFamily="34" charset="0"/>
               </a:rPr>
               <a:t> </a:t>
             </a:r>
             <a:r>
-              <a:rPr lang="en-US" sz="1400" b="1" dirty="0" err="1" smtClean="0">
+              <a:rPr lang="en-US" sz="1400" b="1" dirty="0" err="1">
                 <a:latin typeface="Avenir Next LT Pro (Headings)"/>
                 <a:cs typeface="Arial" pitchFamily="34" charset="0"/>
               </a:rPr>
               <a:t>predicción</a:t>
             </a:r>
             <a:r>
-              <a:rPr lang="en-US" sz="1400" b="1" dirty="0" smtClean="0">
+              <a:rPr lang="en-US" sz="1400" b="1" dirty="0">
                 <a:latin typeface="Avenir Next LT Pro (Headings)"/>
                 <a:cs typeface="Arial" pitchFamily="34" charset="0"/>
               </a:rPr>
               <a:t> de </a:t>
             </a:r>
             <a:r>
-              <a:rPr lang="en-US" sz="1400" b="1" dirty="0" err="1" smtClean="0">
+              <a:rPr lang="en-US" sz="1400" b="1" dirty="0" err="1">
                 <a:latin typeface="Avenir Next LT Pro (Headings)"/>
                 <a:cs typeface="Arial" pitchFamily="34" charset="0"/>
               </a:rPr>
               <a:t>cada</a:t>
             </a:r>
             <a:r>
-              <a:rPr lang="en-US" sz="1400" b="1" dirty="0" smtClean="0">
+              <a:rPr lang="en-US" sz="1400" b="1" dirty="0">
                 <a:latin typeface="Avenir Next LT Pro (Headings)"/>
                 <a:cs typeface="Arial" pitchFamily="34" charset="0"/>
               </a:rPr>
               <a:t> </a:t>
             </a:r>
             <a:r>
-              <a:rPr lang="en-US" sz="1400" b="1" dirty="0" err="1" smtClean="0">
+              <a:rPr lang="en-US" sz="1400" b="1" dirty="0" err="1">
                 <a:latin typeface="Avenir Next LT Pro (Headings)"/>
                 <a:cs typeface="Arial" pitchFamily="34" charset="0"/>
               </a:rPr>
               <a:t>clase</a:t>
             </a:r>
             <a:r>
-              <a:rPr lang="en-US" sz="1400" b="1" dirty="0" smtClean="0">
+              <a:rPr lang="en-US" sz="1400" b="1" dirty="0">
                 <a:latin typeface="Avenir Next LT Pro (Headings)"/>
                 <a:cs typeface="Arial" pitchFamily="34" charset="0"/>
               </a:rPr>
               <a:t>, </a:t>
             </a:r>
             <a:r>
-              <a:rPr lang="en-US" sz="1400" b="1" dirty="0" err="1" smtClean="0">
+              <a:rPr lang="en-US" sz="1400" b="1" dirty="0" err="1">
                 <a:latin typeface="Avenir Next LT Pro (Headings)"/>
                 <a:cs typeface="Arial" pitchFamily="34" charset="0"/>
               </a:rPr>
               <a:t>es</a:t>
             </a:r>
             <a:r>
-              <a:rPr lang="en-US" sz="1400" b="1" dirty="0" smtClean="0">
+              <a:rPr lang="en-US" sz="1400" b="1" dirty="0">
                 <a:latin typeface="Avenir Next LT Pro (Headings)"/>
                 <a:cs typeface="Arial" pitchFamily="34" charset="0"/>
               </a:rPr>
               <a:t> de </a:t>
             </a:r>
             <a:r>
-              <a:rPr lang="en-US" sz="1400" b="1" dirty="0" err="1" smtClean="0">
+              <a:rPr lang="en-US" sz="1400" b="1" dirty="0" err="1">
                 <a:latin typeface="Avenir Next LT Pro (Headings)"/>
                 <a:cs typeface="Arial" pitchFamily="34" charset="0"/>
               </a:rPr>
               <a:t>extrañar</a:t>
             </a:r>
             <a:r>
-              <a:rPr lang="en-US" sz="1400" b="1" dirty="0" smtClean="0">
+              <a:rPr lang="en-US" sz="1400" b="1" dirty="0">
                 <a:latin typeface="Avenir Next LT Pro (Headings)"/>
                 <a:cs typeface="Arial" pitchFamily="34" charset="0"/>
               </a:rPr>
               <a:t> el 1.00 </a:t>
             </a:r>
             <a:r>
-              <a:rPr lang="en-US" sz="1400" b="1" dirty="0" err="1" smtClean="0">
+              <a:rPr lang="en-US" sz="1400" b="1" dirty="0" err="1">
                 <a:latin typeface="Avenir Next LT Pro (Headings)"/>
                 <a:cs typeface="Arial" pitchFamily="34" charset="0"/>
               </a:rPr>
               <a:t>mostrado</a:t>
             </a:r>
             <a:r>
-              <a:rPr lang="en-US" sz="1400" b="1" dirty="0" smtClean="0">
+              <a:rPr lang="en-US" sz="1400" b="1" dirty="0">
                 <a:latin typeface="Avenir Next LT Pro (Headings)"/>
                 <a:cs typeface="Arial" pitchFamily="34" charset="0"/>
               </a:rPr>
               <a:t> </a:t>
             </a:r>
             <a:r>
-              <a:rPr lang="en-US" sz="1400" b="1" dirty="0" err="1" smtClean="0">
+              <a:rPr lang="en-US" sz="1400" b="1" dirty="0" err="1">
                 <a:latin typeface="Avenir Next LT Pro (Headings)"/>
                 <a:cs typeface="Arial" pitchFamily="34" charset="0"/>
               </a:rPr>
               <a:t>para</a:t>
             </a:r>
             <a:r>
-              <a:rPr lang="en-US" sz="1400" b="1" dirty="0" smtClean="0">
+              <a:rPr lang="en-US" sz="1400" b="1" dirty="0">
                 <a:latin typeface="Avenir Next LT Pro (Headings)"/>
                 <a:cs typeface="Arial" pitchFamily="34" charset="0"/>
               </a:rPr>
               <a:t> la </a:t>
             </a:r>
             <a:r>
-              <a:rPr lang="en-US" sz="1400" b="1" dirty="0" err="1" smtClean="0">
+              <a:rPr lang="en-US" sz="1400" b="1" dirty="0" err="1">
                 <a:latin typeface="Avenir Next LT Pro (Headings)"/>
                 <a:cs typeface="Arial" pitchFamily="34" charset="0"/>
               </a:rPr>
               <a:t>clase</a:t>
             </a:r>
             <a:r>
-              <a:rPr lang="en-US" sz="1400" b="1" dirty="0" smtClean="0">
+              <a:rPr lang="en-US" sz="1400" b="1" dirty="0">
                 <a:latin typeface="Avenir Next LT Pro (Headings)"/>
                 <a:cs typeface="Arial" pitchFamily="34" charset="0"/>
               </a:rPr>
               <a:t> Amarillo del Recall</a:t>
             </a:r>
-            <a:endParaRPr kumimoji="0" lang="en-US" sz="2800" b="0" i="0" u="none" strike="noStrike" cap="none" normalizeH="0" baseline="0" dirty="0" smtClean="0">
+            <a:endParaRPr kumimoji="0" lang="en-US" sz="2800" b="0" i="0" u="none" strike="noStrike" cap="none" normalizeH="0" baseline="0" dirty="0">
               <a:ln>
                 <a:noFill/>
               </a:ln>
@@ -7323,7 +6750,7 @@
           <p:cNvPr id="4" name="Título 1">
             <a:extLst>
               <a:ext uri="{FF2B5EF4-FFF2-40B4-BE49-F238E27FC236}">
-                <a16:creationId xmlns:a16="http://schemas.microsoft.com/office/drawing/2014/main" xmlns="" id="{DB14B354-1BB3-259F-5777-C23ACE392A16}"/>
+                <a16:creationId xmlns:a16="http://schemas.microsoft.com/office/drawing/2014/main" id="{DB14B354-1BB3-259F-5777-C23ACE392A16}"/>
               </a:ext>
             </a:extLst>
           </p:cNvPr>
@@ -7368,12 +6795,8 @@
           <a:p>
             <a:pPr marL="548640" lvl="2"/>
             <a:r>
-              <a:rPr lang="es-MX" dirty="0" smtClean="0"/>
-              <a:t>Comparación </a:t>
-            </a:r>
-            <a:r>
               <a:rPr lang="es-MX" dirty="0"/>
-              <a:t>contra modelos EXTRATREE, LINEARSVC Y MLPCLASSIFIER</a:t>
+              <a:t>Comparación contra modelos EXTRATREE, LINEARSVC Y MLPCLASSIFIER</a:t>
             </a:r>
           </a:p>
         </p:txBody>
@@ -7454,104 +6877,104 @@
               <a:tabLst/>
             </a:pPr>
             <a:r>
-              <a:rPr lang="en-US" sz="1400" b="1" dirty="0" err="1" smtClean="0">
+              <a:rPr lang="en-US" sz="1400" b="1" dirty="0" err="1">
                 <a:latin typeface="Avenir Next LT Pro (Headings)"/>
                 <a:cs typeface="Arial" pitchFamily="34" charset="0"/>
               </a:rPr>
               <a:t>Generando</a:t>
             </a:r>
             <a:r>
-              <a:rPr lang="en-US" sz="1400" b="1" dirty="0" smtClean="0">
+              <a:rPr lang="en-US" sz="1400" b="1" dirty="0">
                 <a:latin typeface="Avenir Next LT Pro (Headings)"/>
                 <a:cs typeface="Arial" pitchFamily="34" charset="0"/>
               </a:rPr>
               <a:t> </a:t>
             </a:r>
             <a:r>
-              <a:rPr lang="en-US" sz="1400" b="1" dirty="0" err="1" smtClean="0">
+              <a:rPr lang="en-US" sz="1400" b="1" dirty="0" err="1">
                 <a:latin typeface="Avenir Next LT Pro (Headings)"/>
                 <a:cs typeface="Arial" pitchFamily="34" charset="0"/>
               </a:rPr>
               <a:t>particion</a:t>
             </a:r>
             <a:r>
-              <a:rPr lang="en-US" sz="1400" b="1" dirty="0" smtClean="0">
+              <a:rPr lang="en-US" sz="1400" b="1" dirty="0">
                 <a:latin typeface="Avenir Next LT Pro (Headings)"/>
                 <a:cs typeface="Arial" pitchFamily="34" charset="0"/>
               </a:rPr>
               <a:t> de </a:t>
             </a:r>
             <a:r>
-              <a:rPr lang="en-US" sz="1400" b="1" dirty="0" err="1" smtClean="0">
+              <a:rPr lang="en-US" sz="1400" b="1" dirty="0" err="1">
                 <a:latin typeface="Avenir Next LT Pro (Headings)"/>
                 <a:cs typeface="Arial" pitchFamily="34" charset="0"/>
               </a:rPr>
               <a:t>validación</a:t>
             </a:r>
             <a:r>
-              <a:rPr lang="en-US" sz="1400" b="1" dirty="0" smtClean="0">
+              <a:rPr lang="en-US" sz="1400" b="1" dirty="0">
                 <a:latin typeface="Avenir Next LT Pro (Headings)"/>
                 <a:cs typeface="Arial" pitchFamily="34" charset="0"/>
               </a:rPr>
               <a:t> </a:t>
             </a:r>
             <a:r>
-              <a:rPr lang="en-US" sz="1400" b="1" dirty="0" err="1" smtClean="0">
+              <a:rPr lang="en-US" sz="1400" b="1" dirty="0" err="1">
                 <a:latin typeface="Avenir Next LT Pro (Headings)"/>
                 <a:cs typeface="Arial" pitchFamily="34" charset="0"/>
               </a:rPr>
               <a:t>para</a:t>
             </a:r>
             <a:r>
-              <a:rPr lang="en-US" sz="1400" b="1" dirty="0" smtClean="0">
+              <a:rPr lang="en-US" sz="1400" b="1" dirty="0">
                 <a:latin typeface="Avenir Next LT Pro (Headings)"/>
                 <a:cs typeface="Arial" pitchFamily="34" charset="0"/>
               </a:rPr>
               <a:t> </a:t>
             </a:r>
             <a:r>
-              <a:rPr lang="en-US" sz="1400" b="1" dirty="0" err="1" smtClean="0">
+              <a:rPr lang="en-US" sz="1400" b="1" dirty="0" err="1">
                 <a:latin typeface="Avenir Next LT Pro (Headings)"/>
                 <a:cs typeface="Arial" pitchFamily="34" charset="0"/>
               </a:rPr>
               <a:t>comparar</a:t>
             </a:r>
             <a:r>
-              <a:rPr lang="en-US" sz="1400" b="1" dirty="0" smtClean="0">
+              <a:rPr lang="en-US" sz="1400" b="1" dirty="0">
                 <a:latin typeface="Avenir Next LT Pro (Headings)"/>
                 <a:cs typeface="Arial" pitchFamily="34" charset="0"/>
               </a:rPr>
               <a:t> </a:t>
             </a:r>
             <a:r>
-              <a:rPr lang="en-US" sz="1400" b="1" dirty="0" err="1" smtClean="0">
+              <a:rPr lang="en-US" sz="1400" b="1" dirty="0" err="1">
                 <a:latin typeface="Avenir Next LT Pro (Headings)"/>
                 <a:cs typeface="Arial" pitchFamily="34" charset="0"/>
               </a:rPr>
               <a:t>todos</a:t>
             </a:r>
             <a:r>
-              <a:rPr lang="en-US" sz="1400" b="1" dirty="0" smtClean="0">
+              <a:rPr lang="en-US" sz="1400" b="1" dirty="0">
                 <a:latin typeface="Avenir Next LT Pro (Headings)"/>
                 <a:cs typeface="Arial" pitchFamily="34" charset="0"/>
               </a:rPr>
               <a:t> los </a:t>
             </a:r>
             <a:r>
-              <a:rPr lang="en-US" sz="1400" b="1" dirty="0" err="1" smtClean="0">
+              <a:rPr lang="en-US" sz="1400" b="1" dirty="0" err="1">
                 <a:latin typeface="Avenir Next LT Pro (Headings)"/>
                 <a:cs typeface="Arial" pitchFamily="34" charset="0"/>
               </a:rPr>
               <a:t>modelos</a:t>
             </a:r>
             <a:r>
-              <a:rPr lang="en-US" sz="1400" b="1" dirty="0" smtClean="0">
+              <a:rPr lang="en-US" sz="1400" b="1" dirty="0">
                 <a:latin typeface="Avenir Next LT Pro (Headings)"/>
                 <a:cs typeface="Arial" pitchFamily="34" charset="0"/>
               </a:rPr>
               <a:t>.</a:t>
             </a:r>
-            <a:endParaRPr kumimoji="0" lang="en-US" sz="2800" b="0" i="0" u="none" strike="noStrike" cap="none" normalizeH="0" baseline="0" dirty="0" smtClean="0">
+            <a:endParaRPr kumimoji="0" lang="en-US" sz="2800" b="0" i="0" u="none" strike="noStrike" cap="none" normalizeH="0" baseline="0" dirty="0">
               <a:ln>
                 <a:noFill/>
               </a:ln>
@@ -7769,62 +7192,62 @@
               <a:tabLst/>
             </a:pPr>
             <a:r>
-              <a:rPr lang="en-US" sz="1400" b="1" dirty="0" err="1" smtClean="0">
+              <a:rPr lang="en-US" sz="1400" b="1" dirty="0" err="1">
                 <a:latin typeface="Avenir Next LT Pro (Headings)"/>
                 <a:cs typeface="Arial" pitchFamily="34" charset="0"/>
               </a:rPr>
               <a:t>Iteración</a:t>
-            </a:r>
-            <a:r>
-              <a:rPr lang="en-US" sz="1400" b="1" dirty="0" smtClean="0">
-                <a:latin typeface="Avenir Next LT Pro (Headings)"/>
-                <a:cs typeface="Arial" pitchFamily="34" charset="0"/>
-              </a:rPr>
-              <a:t> a </a:t>
-            </a:r>
-            <a:r>
-              <a:rPr lang="en-US" sz="1400" b="1" dirty="0" err="1" smtClean="0">
-                <a:latin typeface="Avenir Next LT Pro (Headings)"/>
-                <a:cs typeface="Arial" pitchFamily="34" charset="0"/>
-              </a:rPr>
-              <a:t>través</a:t>
-            </a:r>
-            <a:r>
-              <a:rPr lang="en-US" sz="1400" b="1" dirty="0" smtClean="0">
-                <a:latin typeface="Avenir Next LT Pro (Headings)"/>
-                <a:cs typeface="Arial" pitchFamily="34" charset="0"/>
-              </a:rPr>
-              <a:t> de </a:t>
-            </a:r>
-            <a:r>
-              <a:rPr lang="en-US" sz="1400" b="1" dirty="0" err="1" smtClean="0">
-                <a:latin typeface="Avenir Next LT Pro (Headings)"/>
-                <a:cs typeface="Arial" pitchFamily="34" charset="0"/>
-              </a:rPr>
-              <a:t>todos</a:t>
-            </a:r>
-            <a:r>
-              <a:rPr lang="en-US" sz="1400" b="1" dirty="0" smtClean="0">
-                <a:latin typeface="Avenir Next LT Pro (Headings)"/>
-                <a:cs typeface="Arial" pitchFamily="34" charset="0"/>
-              </a:rPr>
-              <a:t> los </a:t>
-            </a:r>
-            <a:r>
-              <a:rPr lang="en-US" sz="1400" b="1" dirty="0" err="1" smtClean="0">
-                <a:latin typeface="Avenir Next LT Pro (Headings)"/>
-                <a:cs typeface="Arial" pitchFamily="34" charset="0"/>
-              </a:rPr>
-              <a:t>modelos</a:t>
             </a:r>
             <a:r>
               <a:rPr lang="en-US" sz="1400" b="1" dirty="0">
                 <a:latin typeface="Avenir Next LT Pro (Headings)"/>
                 <a:cs typeface="Arial" pitchFamily="34" charset="0"/>
               </a:rPr>
+              <a:t> a </a:t>
+            </a:r>
+            <a:r>
+              <a:rPr lang="en-US" sz="1400" b="1" dirty="0" err="1">
+                <a:latin typeface="Avenir Next LT Pro (Headings)"/>
+                <a:cs typeface="Arial" pitchFamily="34" charset="0"/>
+              </a:rPr>
+              <a:t>través</a:t>
+            </a:r>
+            <a:r>
+              <a:rPr lang="en-US" sz="1400" b="1" dirty="0">
+                <a:latin typeface="Avenir Next LT Pro (Headings)"/>
+                <a:cs typeface="Arial" pitchFamily="34" charset="0"/>
+              </a:rPr>
+              <a:t> de </a:t>
+            </a:r>
+            <a:r>
+              <a:rPr lang="en-US" sz="1400" b="1" dirty="0" err="1">
+                <a:latin typeface="Avenir Next LT Pro (Headings)"/>
+                <a:cs typeface="Arial" pitchFamily="34" charset="0"/>
+              </a:rPr>
+              <a:t>todos</a:t>
+            </a:r>
+            <a:r>
+              <a:rPr lang="en-US" sz="1400" b="1" dirty="0">
+                <a:latin typeface="Avenir Next LT Pro (Headings)"/>
+                <a:cs typeface="Arial" pitchFamily="34" charset="0"/>
+              </a:rPr>
+              <a:t> los </a:t>
+            </a:r>
+            <a:r>
+              <a:rPr lang="en-US" sz="1400" b="1" dirty="0" err="1">
+                <a:latin typeface="Avenir Next LT Pro (Headings)"/>
+                <a:cs typeface="Arial" pitchFamily="34" charset="0"/>
+              </a:rPr>
+              <a:t>modelos</a:t>
+            </a:r>
+            <a:r>
+              <a:rPr lang="en-US" sz="1400" b="1" dirty="0">
+                <a:latin typeface="Avenir Next LT Pro (Headings)"/>
+                <a:cs typeface="Arial" pitchFamily="34" charset="0"/>
+              </a:rPr>
               <a:t>.</a:t>
             </a:r>
-            <a:endParaRPr kumimoji="0" lang="en-US" sz="2800" b="0" i="0" u="none" strike="noStrike" cap="none" normalizeH="0" baseline="0" dirty="0" smtClean="0">
+            <a:endParaRPr kumimoji="0" lang="en-US" sz="2800" b="0" i="0" u="none" strike="noStrike" cap="none" normalizeH="0" baseline="0" dirty="0">
               <a:ln>
                 <a:noFill/>
               </a:ln>
@@ -7914,56 +7337,56 @@
               <a:tabLst/>
             </a:pPr>
             <a:r>
-              <a:rPr lang="en-US" sz="1400" b="1" dirty="0" err="1" smtClean="0">
+              <a:rPr lang="en-US" sz="1400" b="1" dirty="0" err="1">
                 <a:latin typeface="Avenir Next LT Pro (Headings)"/>
                 <a:cs typeface="Arial" pitchFamily="34" charset="0"/>
               </a:rPr>
               <a:t>Usando</a:t>
             </a:r>
             <a:r>
-              <a:rPr lang="en-US" sz="1400" b="1" dirty="0" smtClean="0">
+              <a:rPr lang="en-US" sz="1400" b="1" dirty="0">
                 <a:latin typeface="Avenir Next LT Pro (Headings)"/>
                 <a:cs typeface="Arial" pitchFamily="34" charset="0"/>
               </a:rPr>
               <a:t> los </a:t>
             </a:r>
             <a:r>
-              <a:rPr lang="en-US" sz="1400" b="1" dirty="0" err="1" smtClean="0">
+              <a:rPr lang="en-US" sz="1400" b="1" dirty="0" err="1">
                 <a:latin typeface="Avenir Next LT Pro (Headings)"/>
                 <a:cs typeface="Arial" pitchFamily="34" charset="0"/>
               </a:rPr>
               <a:t>modelos</a:t>
             </a:r>
             <a:r>
-              <a:rPr lang="en-US" sz="1400" b="1" dirty="0" smtClean="0">
+              <a:rPr lang="en-US" sz="1400" b="1" dirty="0">
                 <a:latin typeface="Avenir Next LT Pro (Headings)"/>
                 <a:cs typeface="Arial" pitchFamily="34" charset="0"/>
               </a:rPr>
               <a:t> Decision Tree y Random Forest </a:t>
             </a:r>
             <a:r>
-              <a:rPr lang="en-US" sz="1400" b="1" dirty="0" err="1" smtClean="0">
+              <a:rPr lang="en-US" sz="1400" b="1" dirty="0" err="1">
                 <a:latin typeface="Avenir Next LT Pro (Headings)"/>
                 <a:cs typeface="Arial" pitchFamily="34" charset="0"/>
               </a:rPr>
               <a:t>que</a:t>
             </a:r>
             <a:r>
-              <a:rPr lang="en-US" sz="1400" b="1" dirty="0" smtClean="0">
+              <a:rPr lang="en-US" sz="1400" b="1" dirty="0">
                 <a:latin typeface="Avenir Next LT Pro (Headings)"/>
                 <a:cs typeface="Arial" pitchFamily="34" charset="0"/>
               </a:rPr>
               <a:t> se </a:t>
             </a:r>
             <a:r>
-              <a:rPr lang="en-US" sz="1400" b="1" dirty="0" err="1" smtClean="0">
+              <a:rPr lang="en-US" sz="1400" b="1" dirty="0" err="1">
                 <a:latin typeface="Avenir Next LT Pro (Headings)"/>
                 <a:cs typeface="Arial" pitchFamily="34" charset="0"/>
               </a:rPr>
               <a:t>e</a:t>
             </a:r>
             <a:r>
-              <a:rPr kumimoji="0" lang="en-US" sz="1400" b="1" i="0" u="none" strike="noStrike" cap="none" normalizeH="0" baseline="0" dirty="0" err="1" smtClean="0">
+              <a:rPr kumimoji="0" lang="en-US" sz="1400" b="1" i="0" u="none" strike="noStrike" cap="none" normalizeH="0" baseline="0" dirty="0" err="1">
                 <a:ln>
                   <a:noFill/>
                 </a:ln>
@@ -7977,7 +7400,7 @@
               <a:t>ncontraron</a:t>
             </a:r>
             <a:r>
-              <a:rPr kumimoji="0" lang="en-US" sz="1400" b="1" i="0" u="none" strike="noStrike" cap="none" normalizeH="0" dirty="0" smtClean="0">
+              <a:rPr kumimoji="0" lang="en-US" sz="1400" b="1" i="0" u="none" strike="noStrike" cap="none" normalizeH="0" dirty="0">
                 <a:ln>
                   <a:noFill/>
                 </a:ln>
@@ -7991,7 +7414,7 @@
               <a:t> con los </a:t>
             </a:r>
             <a:r>
-              <a:rPr kumimoji="0" lang="en-US" sz="1400" b="1" i="0" u="none" strike="noStrike" cap="none" normalizeH="0" dirty="0" err="1" smtClean="0">
+              <a:rPr kumimoji="0" lang="en-US" sz="1400" b="1" i="0" u="none" strike="noStrike" cap="none" normalizeH="0" dirty="0" err="1">
                 <a:ln>
                   <a:noFill/>
                 </a:ln>
@@ -8005,7 +7428,7 @@
               <a:t>mejores</a:t>
             </a:r>
             <a:r>
-              <a:rPr kumimoji="0" lang="en-US" sz="1400" b="1" i="0" u="none" strike="noStrike" cap="none" normalizeH="0" dirty="0" smtClean="0">
+              <a:rPr kumimoji="0" lang="en-US" sz="1400" b="1" i="0" u="none" strike="noStrike" cap="none" normalizeH="0" dirty="0">
                 <a:ln>
                   <a:noFill/>
                 </a:ln>
@@ -8019,7 +7442,7 @@
               <a:t> </a:t>
             </a:r>
             <a:r>
-              <a:rPr kumimoji="0" lang="en-US" sz="1400" b="1" i="0" u="none" strike="noStrike" cap="none" normalizeH="0" dirty="0" err="1" smtClean="0">
+              <a:rPr kumimoji="0" lang="en-US" sz="1400" b="1" i="0" u="none" strike="noStrike" cap="none" normalizeH="0" dirty="0" err="1">
                 <a:ln>
                   <a:noFill/>
                 </a:ln>
@@ -8032,7 +7455,7 @@
               </a:rPr>
               <a:t>parámetros</a:t>
             </a:r>
-            <a:endParaRPr kumimoji="0" lang="en-US" sz="2800" b="0" i="0" u="none" strike="noStrike" cap="none" normalizeH="0" baseline="0" dirty="0" smtClean="0">
+            <a:endParaRPr kumimoji="0" lang="en-US" sz="2800" b="0" i="0" u="none" strike="noStrike" cap="none" normalizeH="0" baseline="0" dirty="0">
               <a:ln>
                 <a:noFill/>
               </a:ln>
@@ -8117,7 +7540,7 @@
           <p:cNvPr id="4" name="Título 1">
             <a:extLst>
               <a:ext uri="{FF2B5EF4-FFF2-40B4-BE49-F238E27FC236}">
-                <a16:creationId xmlns:a16="http://schemas.microsoft.com/office/drawing/2014/main" xmlns="" id="{DB14B354-1BB3-259F-5777-C23ACE392A16}"/>
+                <a16:creationId xmlns:a16="http://schemas.microsoft.com/office/drawing/2014/main" id="{DB14B354-1BB3-259F-5777-C23ACE392A16}"/>
               </a:ext>
             </a:extLst>
           </p:cNvPr>
@@ -8162,10 +7585,9 @@
           <a:p>
             <a:pPr marL="548640" lvl="2"/>
             <a:r>
-              <a:rPr lang="es-MX" dirty="0" smtClean="0"/>
+              <a:rPr lang="es-MX" dirty="0"/>
               <a:t>Comparación de todos los modelos con Reporte de Clasificación</a:t>
             </a:r>
-            <a:endParaRPr lang="es-MX" dirty="0"/>
           </a:p>
         </p:txBody>
       </p:sp>
@@ -8281,195 +7703,195 @@
               <a:tabLst/>
             </a:pPr>
             <a:r>
-              <a:rPr lang="en-US" sz="1400" b="1" dirty="0" smtClean="0">
-                <a:latin typeface="Avenir Next LT Pro (Headings)"/>
-                <a:cs typeface="Arial" pitchFamily="34" charset="0"/>
-              </a:rPr>
-              <a:t>Son de </a:t>
-            </a:r>
-            <a:r>
-              <a:rPr lang="en-US" sz="1400" b="1" dirty="0" err="1" smtClean="0">
-                <a:latin typeface="Avenir Next LT Pro (Headings)"/>
-                <a:cs typeface="Arial" pitchFamily="34" charset="0"/>
-              </a:rPr>
-              <a:t>notar</a:t>
-            </a:r>
-            <a:r>
-              <a:rPr lang="en-US" sz="1400" b="1" dirty="0" smtClean="0">
-                <a:latin typeface="Avenir Next LT Pro (Headings)"/>
-                <a:cs typeface="Arial" pitchFamily="34" charset="0"/>
-              </a:rPr>
-              <a:t> los </a:t>
-            </a:r>
-            <a:r>
-              <a:rPr lang="en-US" sz="1400" b="1" dirty="0" err="1" smtClean="0">
-                <a:latin typeface="Avenir Next LT Pro (Headings)"/>
-                <a:cs typeface="Arial" pitchFamily="34" charset="0"/>
-              </a:rPr>
-              <a:t>resultados</a:t>
-            </a:r>
-            <a:r>
-              <a:rPr lang="en-US" sz="1400" b="1" dirty="0" smtClean="0">
-                <a:latin typeface="Avenir Next LT Pro (Headings)"/>
-                <a:cs typeface="Arial" pitchFamily="34" charset="0"/>
-              </a:rPr>
-              <a:t> 1.0 </a:t>
-            </a:r>
-            <a:r>
-              <a:rPr lang="en-US" sz="1400" b="1" dirty="0" err="1" smtClean="0">
-                <a:latin typeface="Avenir Next LT Pro (Headings)"/>
-                <a:cs typeface="Arial" pitchFamily="34" charset="0"/>
-              </a:rPr>
-              <a:t>que</a:t>
-            </a:r>
-            <a:r>
-              <a:rPr lang="en-US" sz="1400" b="1" dirty="0" smtClean="0">
-                <a:latin typeface="Avenir Next LT Pro (Headings)"/>
-                <a:cs typeface="Arial" pitchFamily="34" charset="0"/>
-              </a:rPr>
-              <a:t> los </a:t>
-            </a:r>
-            <a:r>
-              <a:rPr lang="en-US" sz="1400" b="1" dirty="0" err="1" smtClean="0">
-                <a:latin typeface="Avenir Next LT Pro (Headings)"/>
-                <a:cs typeface="Arial" pitchFamily="34" charset="0"/>
-              </a:rPr>
-              <a:t>modelos</a:t>
-            </a:r>
-            <a:r>
-              <a:rPr lang="en-US" sz="1400" b="1" dirty="0" smtClean="0">
-                <a:latin typeface="Avenir Next LT Pro (Headings)"/>
-                <a:cs typeface="Arial" pitchFamily="34" charset="0"/>
-              </a:rPr>
-              <a:t> </a:t>
-            </a:r>
-            <a:r>
-              <a:rPr lang="en-US" sz="1400" b="1" dirty="0" err="1" smtClean="0">
-                <a:latin typeface="Avenir Next LT Pro (Headings)"/>
-                <a:cs typeface="Arial" pitchFamily="34" charset="0"/>
-              </a:rPr>
-              <a:t>ExtraTree</a:t>
-            </a:r>
-            <a:r>
-              <a:rPr lang="en-US" sz="1400" b="1" dirty="0" smtClean="0">
-                <a:latin typeface="Avenir Next LT Pro (Headings)"/>
-                <a:cs typeface="Arial" pitchFamily="34" charset="0"/>
-              </a:rPr>
-              <a:t>, </a:t>
-            </a:r>
-            <a:r>
-              <a:rPr lang="en-US" sz="1400" b="1" dirty="0" err="1" smtClean="0">
-                <a:latin typeface="Avenir Next LT Pro (Headings)"/>
-                <a:cs typeface="Arial" pitchFamily="34" charset="0"/>
-              </a:rPr>
-              <a:t>LinearSVC</a:t>
-            </a:r>
-            <a:r>
-              <a:rPr lang="en-US" sz="1400" b="1" dirty="0" smtClean="0">
-                <a:latin typeface="Avenir Next LT Pro (Headings)"/>
-                <a:cs typeface="Arial" pitchFamily="34" charset="0"/>
-              </a:rPr>
-              <a:t> y MLP </a:t>
-            </a:r>
-            <a:r>
-              <a:rPr lang="en-US" sz="1400" b="1" dirty="0" err="1" smtClean="0">
-                <a:latin typeface="Avenir Next LT Pro (Headings)"/>
-                <a:cs typeface="Arial" pitchFamily="34" charset="0"/>
-              </a:rPr>
-              <a:t>muestran</a:t>
-            </a:r>
-            <a:r>
-              <a:rPr lang="en-US" sz="1400" b="1" dirty="0" smtClean="0">
-                <a:latin typeface="Avenir Next LT Pro (Headings)"/>
-                <a:cs typeface="Arial" pitchFamily="34" charset="0"/>
-              </a:rPr>
-              <a:t>, </a:t>
-            </a:r>
-            <a:r>
-              <a:rPr lang="en-US" sz="1400" b="1" dirty="0" err="1" smtClean="0">
-                <a:latin typeface="Avenir Next LT Pro (Headings)"/>
-                <a:cs typeface="Arial" pitchFamily="34" charset="0"/>
-              </a:rPr>
-              <a:t>es</a:t>
-            </a:r>
-            <a:r>
-              <a:rPr lang="en-US" sz="1400" b="1" dirty="0" smtClean="0">
-                <a:latin typeface="Avenir Next LT Pro (Headings)"/>
-                <a:cs typeface="Arial" pitchFamily="34" charset="0"/>
-              </a:rPr>
-              <a:t> </a:t>
-            </a:r>
-            <a:r>
-              <a:rPr lang="en-US" sz="1400" b="1" dirty="0" err="1" smtClean="0">
-                <a:latin typeface="Avenir Next LT Pro (Headings)"/>
-                <a:cs typeface="Arial" pitchFamily="34" charset="0"/>
-              </a:rPr>
-              <a:t>como</a:t>
-            </a:r>
-            <a:r>
-              <a:rPr lang="en-US" sz="1400" b="1" dirty="0" smtClean="0">
-                <a:latin typeface="Avenir Next LT Pro (Headings)"/>
-                <a:cs typeface="Arial" pitchFamily="34" charset="0"/>
-              </a:rPr>
-              <a:t> </a:t>
-            </a:r>
-            <a:r>
-              <a:rPr lang="en-US" sz="1400" b="1" dirty="0" err="1" smtClean="0">
-                <a:latin typeface="Avenir Next LT Pro (Headings)"/>
-                <a:cs typeface="Arial" pitchFamily="34" charset="0"/>
-              </a:rPr>
-              <a:t>si</a:t>
-            </a:r>
-            <a:r>
-              <a:rPr lang="en-US" sz="1400" b="1" dirty="0" smtClean="0">
-                <a:latin typeface="Avenir Next LT Pro (Headings)"/>
-                <a:cs typeface="Arial" pitchFamily="34" charset="0"/>
-              </a:rPr>
-              <a:t> </a:t>
-            </a:r>
-            <a:r>
-              <a:rPr lang="en-US" sz="1400" b="1" dirty="0" err="1" smtClean="0">
-                <a:latin typeface="Avenir Next LT Pro (Headings)"/>
-                <a:cs typeface="Arial" pitchFamily="34" charset="0"/>
-              </a:rPr>
-              <a:t>indicaran</a:t>
-            </a:r>
-            <a:r>
-              <a:rPr lang="en-US" sz="1400" b="1" dirty="0" smtClean="0">
-                <a:latin typeface="Avenir Next LT Pro (Headings)"/>
-                <a:cs typeface="Arial" pitchFamily="34" charset="0"/>
-              </a:rPr>
-              <a:t> </a:t>
-            </a:r>
-            <a:r>
-              <a:rPr lang="en-US" sz="1400" b="1" dirty="0" err="1" smtClean="0">
-                <a:latin typeface="Avenir Next LT Pro (Headings)"/>
-                <a:cs typeface="Arial" pitchFamily="34" charset="0"/>
-              </a:rPr>
-              <a:t>sobre</a:t>
-            </a:r>
-            <a:r>
-              <a:rPr lang="en-US" sz="1400" b="1" dirty="0" smtClean="0">
-                <a:latin typeface="Avenir Next LT Pro (Headings)"/>
-                <a:cs typeface="Arial" pitchFamily="34" charset="0"/>
-              </a:rPr>
-              <a:t> </a:t>
-            </a:r>
-            <a:r>
-              <a:rPr lang="en-US" sz="1400" b="1" dirty="0" err="1" smtClean="0">
-                <a:latin typeface="Avenir Next LT Pro (Headings)"/>
-                <a:cs typeface="Arial" pitchFamily="34" charset="0"/>
-              </a:rPr>
-              <a:t>entrenamiento</a:t>
-            </a:r>
-            <a:r>
               <a:rPr lang="en-US" sz="1400" b="1" dirty="0">
                 <a:latin typeface="Avenir Next LT Pro (Headings)"/>
                 <a:cs typeface="Arial" pitchFamily="34" charset="0"/>
               </a:rPr>
+              <a:t>Son de </a:t>
+            </a:r>
+            <a:r>
+              <a:rPr lang="en-US" sz="1400" b="1" dirty="0" err="1">
+                <a:latin typeface="Avenir Next LT Pro (Headings)"/>
+                <a:cs typeface="Arial" pitchFamily="34" charset="0"/>
+              </a:rPr>
+              <a:t>notar</a:t>
+            </a:r>
+            <a:r>
+              <a:rPr lang="en-US" sz="1400" b="1" dirty="0">
+                <a:latin typeface="Avenir Next LT Pro (Headings)"/>
+                <a:cs typeface="Arial" pitchFamily="34" charset="0"/>
+              </a:rPr>
+              <a:t> los </a:t>
+            </a:r>
+            <a:r>
+              <a:rPr lang="en-US" sz="1400" b="1" dirty="0" err="1">
+                <a:latin typeface="Avenir Next LT Pro (Headings)"/>
+                <a:cs typeface="Arial" pitchFamily="34" charset="0"/>
+              </a:rPr>
+              <a:t>resultados</a:t>
+            </a:r>
+            <a:r>
+              <a:rPr lang="en-US" sz="1400" b="1" dirty="0">
+                <a:latin typeface="Avenir Next LT Pro (Headings)"/>
+                <a:cs typeface="Arial" pitchFamily="34" charset="0"/>
+              </a:rPr>
+              <a:t> 1.0 </a:t>
+            </a:r>
+            <a:r>
+              <a:rPr lang="en-US" sz="1400" b="1" dirty="0" err="1">
+                <a:latin typeface="Avenir Next LT Pro (Headings)"/>
+                <a:cs typeface="Arial" pitchFamily="34" charset="0"/>
+              </a:rPr>
+              <a:t>que</a:t>
+            </a:r>
+            <a:r>
+              <a:rPr lang="en-US" sz="1400" b="1" dirty="0">
+                <a:latin typeface="Avenir Next LT Pro (Headings)"/>
+                <a:cs typeface="Arial" pitchFamily="34" charset="0"/>
+              </a:rPr>
+              <a:t> los </a:t>
+            </a:r>
+            <a:r>
+              <a:rPr lang="en-US" sz="1400" b="1" dirty="0" err="1">
+                <a:latin typeface="Avenir Next LT Pro (Headings)"/>
+                <a:cs typeface="Arial" pitchFamily="34" charset="0"/>
+              </a:rPr>
+              <a:t>modelos</a:t>
+            </a:r>
+            <a:r>
+              <a:rPr lang="en-US" sz="1400" b="1" dirty="0">
+                <a:latin typeface="Avenir Next LT Pro (Headings)"/>
+                <a:cs typeface="Arial" pitchFamily="34" charset="0"/>
+              </a:rPr>
+              <a:t> </a:t>
+            </a:r>
+            <a:r>
+              <a:rPr lang="en-US" sz="1400" b="1" dirty="0" err="1">
+                <a:latin typeface="Avenir Next LT Pro (Headings)"/>
+                <a:cs typeface="Arial" pitchFamily="34" charset="0"/>
+              </a:rPr>
+              <a:t>ExtraTree</a:t>
+            </a:r>
+            <a:r>
+              <a:rPr lang="en-US" sz="1400" b="1" dirty="0">
+                <a:latin typeface="Avenir Next LT Pro (Headings)"/>
+                <a:cs typeface="Arial" pitchFamily="34" charset="0"/>
+              </a:rPr>
+              <a:t>, </a:t>
+            </a:r>
+            <a:r>
+              <a:rPr lang="en-US" sz="1400" b="1" dirty="0" err="1">
+                <a:latin typeface="Avenir Next LT Pro (Headings)"/>
+                <a:cs typeface="Arial" pitchFamily="34" charset="0"/>
+              </a:rPr>
+              <a:t>LinearSVC</a:t>
+            </a:r>
+            <a:r>
+              <a:rPr lang="en-US" sz="1400" b="1" dirty="0">
+                <a:latin typeface="Avenir Next LT Pro (Headings)"/>
+                <a:cs typeface="Arial" pitchFamily="34" charset="0"/>
+              </a:rPr>
+              <a:t> y MLP </a:t>
+            </a:r>
+            <a:r>
+              <a:rPr lang="en-US" sz="1400" b="1" dirty="0" err="1">
+                <a:latin typeface="Avenir Next LT Pro (Headings)"/>
+                <a:cs typeface="Arial" pitchFamily="34" charset="0"/>
+              </a:rPr>
+              <a:t>muestran</a:t>
+            </a:r>
+            <a:r>
+              <a:rPr lang="en-US" sz="1400" b="1" dirty="0">
+                <a:latin typeface="Avenir Next LT Pro (Headings)"/>
+                <a:cs typeface="Arial" pitchFamily="34" charset="0"/>
+              </a:rPr>
+              <a:t>, </a:t>
+            </a:r>
+            <a:r>
+              <a:rPr lang="en-US" sz="1400" b="1" dirty="0" err="1">
+                <a:latin typeface="Avenir Next LT Pro (Headings)"/>
+                <a:cs typeface="Arial" pitchFamily="34" charset="0"/>
+              </a:rPr>
+              <a:t>es</a:t>
+            </a:r>
+            <a:r>
+              <a:rPr lang="en-US" sz="1400" b="1" dirty="0">
+                <a:latin typeface="Avenir Next LT Pro (Headings)"/>
+                <a:cs typeface="Arial" pitchFamily="34" charset="0"/>
+              </a:rPr>
+              <a:t> </a:t>
+            </a:r>
+            <a:r>
+              <a:rPr lang="en-US" sz="1400" b="1" dirty="0" err="1">
+                <a:latin typeface="Avenir Next LT Pro (Headings)"/>
+                <a:cs typeface="Arial" pitchFamily="34" charset="0"/>
+              </a:rPr>
+              <a:t>como</a:t>
+            </a:r>
+            <a:r>
+              <a:rPr lang="en-US" sz="1400" b="1" dirty="0">
+                <a:latin typeface="Avenir Next LT Pro (Headings)"/>
+                <a:cs typeface="Arial" pitchFamily="34" charset="0"/>
+              </a:rPr>
+              <a:t> </a:t>
+            </a:r>
+            <a:r>
+              <a:rPr lang="en-US" sz="1400" b="1" dirty="0" err="1">
+                <a:latin typeface="Avenir Next LT Pro (Headings)"/>
+                <a:cs typeface="Arial" pitchFamily="34" charset="0"/>
+              </a:rPr>
+              <a:t>si</a:t>
+            </a:r>
+            <a:r>
+              <a:rPr lang="en-US" sz="1400" b="1" dirty="0">
+                <a:latin typeface="Avenir Next LT Pro (Headings)"/>
+                <a:cs typeface="Arial" pitchFamily="34" charset="0"/>
+              </a:rPr>
+              <a:t> </a:t>
+            </a:r>
+            <a:r>
+              <a:rPr lang="en-US" sz="1400" b="1" dirty="0" err="1">
+                <a:latin typeface="Avenir Next LT Pro (Headings)"/>
+                <a:cs typeface="Arial" pitchFamily="34" charset="0"/>
+              </a:rPr>
+              <a:t>indicaran</a:t>
+            </a:r>
+            <a:r>
+              <a:rPr lang="en-US" sz="1400" b="1" dirty="0">
+                <a:latin typeface="Avenir Next LT Pro (Headings)"/>
+                <a:cs typeface="Arial" pitchFamily="34" charset="0"/>
+              </a:rPr>
+              <a:t> </a:t>
+            </a:r>
+            <a:r>
+              <a:rPr lang="en-US" sz="1400" b="1" dirty="0" err="1">
+                <a:latin typeface="Avenir Next LT Pro (Headings)"/>
+                <a:cs typeface="Arial" pitchFamily="34" charset="0"/>
+              </a:rPr>
+              <a:t>sobre</a:t>
+            </a:r>
+            <a:r>
+              <a:rPr lang="en-US" sz="1400" b="1" dirty="0">
+                <a:latin typeface="Avenir Next LT Pro (Headings)"/>
+                <a:cs typeface="Arial" pitchFamily="34" charset="0"/>
+              </a:rPr>
+              <a:t> </a:t>
+            </a:r>
+            <a:r>
+              <a:rPr lang="en-US" sz="1400" b="1" dirty="0" err="1">
+                <a:latin typeface="Avenir Next LT Pro (Headings)"/>
+                <a:cs typeface="Arial" pitchFamily="34" charset="0"/>
+              </a:rPr>
+              <a:t>entrenamiento</a:t>
+            </a:r>
+            <a:r>
+              <a:rPr lang="en-US" sz="1400" b="1" dirty="0">
+                <a:latin typeface="Avenir Next LT Pro (Headings)"/>
+                <a:cs typeface="Arial" pitchFamily="34" charset="0"/>
+              </a:rPr>
               <a:t>.</a:t>
             </a:r>
-            <a:endParaRPr kumimoji="0" lang="en-US" sz="2800" b="0" i="0" u="none" strike="noStrike" cap="none" normalizeH="0" baseline="0" dirty="0" smtClean="0">
+            <a:endParaRPr kumimoji="0" lang="en-US" sz="2800" b="0" i="0" u="none" strike="noStrike" cap="none" normalizeH="0" baseline="0" dirty="0">
               <a:ln>
                 <a:noFill/>
               </a:ln>
@@ -8582,7 +8004,7 @@
           <p:cNvPr id="4" name="Título 1">
             <a:extLst>
               <a:ext uri="{FF2B5EF4-FFF2-40B4-BE49-F238E27FC236}">
-                <a16:creationId xmlns:a16="http://schemas.microsoft.com/office/drawing/2014/main" xmlns="" id="{DB14B354-1BB3-259F-5777-C23ACE392A16}"/>
+                <a16:creationId xmlns:a16="http://schemas.microsoft.com/office/drawing/2014/main" id="{DB14B354-1BB3-259F-5777-C23ACE392A16}"/>
               </a:ext>
             </a:extLst>
           </p:cNvPr>
@@ -8627,10 +8049,9 @@
           <a:p>
             <a:pPr marL="548640" lvl="2"/>
             <a:r>
-              <a:rPr lang="es-MX" dirty="0" smtClean="0"/>
+              <a:rPr lang="es-MX" dirty="0"/>
               <a:t>Comparación de todos lo modelos con Matriz de Confusión</a:t>
             </a:r>
-            <a:endParaRPr lang="es-MX" dirty="0"/>
           </a:p>
         </p:txBody>
       </p:sp>
@@ -8774,13 +8195,13 @@
               <a:tabLst/>
             </a:pPr>
             <a:r>
-              <a:rPr lang="en-US" sz="1400" b="1" dirty="0" smtClean="0">
+              <a:rPr lang="en-US" sz="1400" b="1" dirty="0">
                 <a:latin typeface="Avenir Next LT Pro (Headings)"/>
                 <a:cs typeface="Arial" pitchFamily="34" charset="0"/>
               </a:rPr>
               <a:t>Decision Tree</a:t>
             </a:r>
-            <a:endParaRPr kumimoji="0" lang="en-US" sz="2800" b="0" i="0" u="none" strike="noStrike" cap="none" normalizeH="0" baseline="0" dirty="0" smtClean="0">
+            <a:endParaRPr kumimoji="0" lang="en-US" sz="2800" b="0" i="0" u="none" strike="noStrike" cap="none" normalizeH="0" baseline="0" dirty="0">
               <a:ln>
                 <a:noFill/>
               </a:ln>
@@ -8934,13 +8355,13 @@
               <a:tabLst/>
             </a:pPr>
             <a:r>
-              <a:rPr lang="en-US" sz="1400" b="1" dirty="0" smtClean="0">
+              <a:rPr lang="en-US" sz="1400" b="1" dirty="0">
                 <a:latin typeface="Avenir Next LT Pro (Headings)"/>
                 <a:cs typeface="Arial" pitchFamily="34" charset="0"/>
               </a:rPr>
               <a:t>Random Forest</a:t>
             </a:r>
-            <a:endParaRPr kumimoji="0" lang="en-US" sz="2800" b="0" i="0" u="none" strike="noStrike" cap="none" normalizeH="0" baseline="0" dirty="0" smtClean="0">
+            <a:endParaRPr kumimoji="0" lang="en-US" sz="2800" b="0" i="0" u="none" strike="noStrike" cap="none" normalizeH="0" baseline="0" dirty="0">
               <a:ln>
                 <a:noFill/>
               </a:ln>
@@ -9094,13 +8515,13 @@
               <a:tabLst/>
             </a:pPr>
             <a:r>
-              <a:rPr lang="en-US" sz="1400" b="1" dirty="0" smtClean="0">
+              <a:rPr lang="en-US" sz="1400" b="1" dirty="0">
                 <a:latin typeface="Avenir Next LT Pro (Headings)"/>
                 <a:cs typeface="Arial" pitchFamily="34" charset="0"/>
               </a:rPr>
               <a:t>Extra Tree Classifier</a:t>
             </a:r>
-            <a:endParaRPr kumimoji="0" lang="en-US" sz="2800" b="0" i="0" u="none" strike="noStrike" cap="none" normalizeH="0" baseline="0" dirty="0" smtClean="0">
+            <a:endParaRPr kumimoji="0" lang="en-US" sz="2800" b="0" i="0" u="none" strike="noStrike" cap="none" normalizeH="0" baseline="0" dirty="0">
               <a:ln>
                 <a:noFill/>
               </a:ln>
@@ -9254,13 +8675,13 @@
               <a:tabLst/>
             </a:pPr>
             <a:r>
-              <a:rPr lang="en-US" sz="1400" b="1" dirty="0" smtClean="0">
+              <a:rPr lang="en-US" sz="1400" b="1" dirty="0">
                 <a:latin typeface="Avenir Next LT Pro (Headings)"/>
                 <a:cs typeface="Arial" pitchFamily="34" charset="0"/>
               </a:rPr>
               <a:t>Linear SVC</a:t>
             </a:r>
-            <a:endParaRPr kumimoji="0" lang="en-US" sz="2800" b="0" i="0" u="none" strike="noStrike" cap="none" normalizeH="0" baseline="0" dirty="0" smtClean="0">
+            <a:endParaRPr kumimoji="0" lang="en-US" sz="2800" b="0" i="0" u="none" strike="noStrike" cap="none" normalizeH="0" baseline="0" dirty="0">
               <a:ln>
                 <a:noFill/>
               </a:ln>
@@ -9414,13 +8835,13 @@
               <a:tabLst/>
             </a:pPr>
             <a:r>
-              <a:rPr lang="en-US" sz="1400" b="1" dirty="0" smtClean="0">
+              <a:rPr lang="en-US" sz="1400" b="1" dirty="0">
                 <a:latin typeface="Avenir Next LT Pro (Headings)"/>
                 <a:cs typeface="Arial" pitchFamily="34" charset="0"/>
               </a:rPr>
               <a:t>MLP Classifier</a:t>
             </a:r>
-            <a:endParaRPr kumimoji="0" lang="en-US" sz="2800" b="0" i="0" u="none" strike="noStrike" cap="none" normalizeH="0" baseline="0" dirty="0" smtClean="0">
+            <a:endParaRPr kumimoji="0" lang="en-US" sz="2800" b="0" i="0" u="none" strike="noStrike" cap="none" normalizeH="0" baseline="0" dirty="0">
               <a:ln>
                 <a:noFill/>
               </a:ln>
@@ -9469,7 +8890,7 @@
           <p:cNvPr id="2" name="Título 1">
             <a:extLst>
               <a:ext uri="{FF2B5EF4-FFF2-40B4-BE49-F238E27FC236}">
-                <a16:creationId xmlns:a16="http://schemas.microsoft.com/office/drawing/2014/main" xmlns="" id="{DB14B354-1BB3-259F-5777-C23ACE392A16}"/>
+                <a16:creationId xmlns:a16="http://schemas.microsoft.com/office/drawing/2014/main" id="{DB14B354-1BB3-259F-5777-C23ACE392A16}"/>
               </a:ext>
             </a:extLst>
           </p:cNvPr>
@@ -9493,18 +8914,13 @@
           <a:lstStyle/>
           <a:p>
             <a:pPr algn="ctr"/>
-            <a:r>
-              <a:rPr lang="es-MX" dirty="0"/>
-              <a:t/>
-            </a:r>
             <a:br>
               <a:rPr lang="es-MX" dirty="0"/>
             </a:br>
             <a:r>
-              <a:rPr lang="es-MX" dirty="0" smtClean="0"/>
+              <a:rPr lang="es-MX" dirty="0"/>
               <a:t>CONCLUSIONES FINALES</a:t>
             </a:r>
-            <a:endParaRPr lang="es-MX" dirty="0"/>
           </a:p>
         </p:txBody>
       </p:sp>
@@ -9513,7 +8929,7 @@
           <p:cNvPr id="5" name="Marcador de contenido 2">
             <a:extLst>
               <a:ext uri="{FF2B5EF4-FFF2-40B4-BE49-F238E27FC236}">
-                <a16:creationId xmlns:a16="http://schemas.microsoft.com/office/drawing/2014/main" xmlns="" id="{F2B9F111-1DC3-5423-0718-BBF5CB033C4E}"/>
+                <a16:creationId xmlns:a16="http://schemas.microsoft.com/office/drawing/2014/main" id="{F2B9F111-1DC3-5423-0718-BBF5CB033C4E}"/>
               </a:ext>
             </a:extLst>
           </p:cNvPr>
@@ -9537,96 +8953,83 @@
           <a:lstStyle/>
           <a:p>
             <a:r>
-              <a:rPr lang="es-MX" dirty="0" smtClean="0"/>
+              <a:rPr lang="es-MX" dirty="0"/>
               <a:t>Con base en los resultados del reporte de clasificación y de las matriz de </a:t>
             </a:r>
             <a:r>
-              <a:rPr lang="es-MX" dirty="0" err="1" smtClean="0"/>
+              <a:rPr lang="es-MX" dirty="0" err="1"/>
               <a:t>confusion</a:t>
             </a:r>
             <a:r>
-              <a:rPr lang="es-MX" dirty="0" smtClean="0"/>
+              <a:rPr lang="es-MX" dirty="0"/>
               <a:t> pensamos que el mejor modelo clasificatorio es el </a:t>
             </a:r>
             <a:r>
-              <a:rPr lang="es-MX" dirty="0" err="1" smtClean="0"/>
+              <a:rPr lang="es-MX" dirty="0" err="1"/>
               <a:t>Decision</a:t>
             </a:r>
             <a:r>
-              <a:rPr lang="es-MX" dirty="0" smtClean="0"/>
+              <a:rPr lang="es-MX" dirty="0"/>
               <a:t> </a:t>
             </a:r>
             <a:r>
-              <a:rPr lang="es-MX" dirty="0" err="1" smtClean="0"/>
+              <a:rPr lang="es-MX" dirty="0" err="1"/>
               <a:t>Tree</a:t>
             </a:r>
             <a:r>
-              <a:rPr lang="es-MX" dirty="0" smtClean="0"/>
+              <a:rPr lang="es-MX" dirty="0"/>
               <a:t> porque brinda buenas métricas de salida y sin </a:t>
             </a:r>
             <a:r>
-              <a:rPr lang="es-MX" dirty="0" err="1" smtClean="0"/>
+              <a:rPr lang="es-MX" dirty="0" err="1"/>
               <a:t>overfitting</a:t>
             </a:r>
             <a:r>
-              <a:rPr lang="es-MX" dirty="0" smtClean="0"/>
+              <a:rPr lang="es-MX" dirty="0"/>
               <a:t>, tal como se muestra en los demás.</a:t>
             </a:r>
           </a:p>
           <a:p>
             <a:r>
-              <a:rPr lang="es-MX" dirty="0" smtClean="0"/>
+              <a:rPr lang="es-MX" dirty="0"/>
               <a:t>Al menos para ese conjunto de datos, el modelo del </a:t>
             </a:r>
             <a:r>
-              <a:rPr lang="es-MX" dirty="0" err="1" smtClean="0"/>
+              <a:rPr lang="es-MX" dirty="0" err="1"/>
               <a:t>Decision</a:t>
             </a:r>
             <a:r>
-              <a:rPr lang="es-MX" dirty="0" smtClean="0"/>
+              <a:rPr lang="es-MX" dirty="0"/>
               <a:t> </a:t>
             </a:r>
             <a:r>
-              <a:rPr lang="es-MX" dirty="0" err="1" smtClean="0"/>
+              <a:rPr lang="es-MX" dirty="0" err="1"/>
               <a:t>Tree</a:t>
             </a:r>
             <a:r>
-              <a:rPr lang="es-MX" dirty="0" smtClean="0"/>
+              <a:rPr lang="es-MX" dirty="0"/>
               <a:t> es el adecuado, pudiendo incluso mejorarse intentando con un abanico más amplio de datos y de los parámetros evaluados.</a:t>
             </a:r>
           </a:p>
           <a:p>
             <a:r>
-              <a:rPr lang="es-MX" dirty="0" smtClean="0"/>
-              <a:t>En cuanto al conocimiento que se puede obtener con este análisis respecto a la contaminación del agua, detectamos que la medición en las concentraciones de los fluoruros, materiales duros y arsénico están muy por encima de todos los demás y son los que mas </a:t>
-            </a:r>
-            <a:r>
-              <a:rPr lang="es-MX" smtClean="0"/>
-              <a:t>influyen en </a:t>
-            </a:r>
-            <a:r>
-              <a:rPr lang="es-MX" dirty="0" smtClean="0"/>
-              <a:t>el valor del </a:t>
-            </a:r>
-            <a:r>
-              <a:rPr lang="es-MX" smtClean="0"/>
-              <a:t>semáforo.</a:t>
-            </a:r>
-            <a:endParaRPr lang="es-MX" dirty="0" smtClean="0"/>
+              <a:rPr lang="es-MX" dirty="0"/>
+              <a:t>En cuanto al conocimiento que se puede obtener con este análisis respecto a la contaminación del agua, detectamos que la medición en las concentraciones de los fluoruros, materiales duros y arsénico están muy por encima de todos los demás y son los que mas influyen en el valor del semáforo.</a:t>
+            </a:r>
           </a:p>
           <a:p>
             <a:pPr marL="891540" lvl="2" indent="-342900">
               <a:buFont typeface="+mj-lt"/>
               <a:buAutoNum type="arabicPeriod"/>
             </a:pPr>
-            <a:endParaRPr lang="es-MX" dirty="0" smtClean="0"/>
+            <a:endParaRPr lang="es-MX" dirty="0"/>
           </a:p>
           <a:p>
             <a:pPr marL="937260" lvl="3" indent="-342900">
               <a:buFont typeface="+mj-lt"/>
               <a:buAutoNum type="arabicPeriod"/>
             </a:pPr>
-            <a:endParaRPr lang="es-MX" dirty="0" smtClean="0"/>
+            <a:endParaRPr lang="es-MX" dirty="0"/>
           </a:p>
           <a:p>
             <a:pPr marL="891540" lvl="2" indent="-342900">
@@ -9672,7 +9075,7 @@
           <p:cNvPr id="2" name="Título 1">
             <a:extLst>
               <a:ext uri="{FF2B5EF4-FFF2-40B4-BE49-F238E27FC236}">
-                <a16:creationId xmlns:a16="http://schemas.microsoft.com/office/drawing/2014/main" xmlns="" id="{6D6C3C4E-30BE-F0A3-B49B-EEC9F1EE9C51}"/>
+                <a16:creationId xmlns:a16="http://schemas.microsoft.com/office/drawing/2014/main" id="{6D6C3C4E-30BE-F0A3-B49B-EEC9F1EE9C51}"/>
               </a:ext>
             </a:extLst>
           </p:cNvPr>
@@ -9718,7 +9121,7 @@
           <p:cNvPr id="3" name="Marcador de contenido 2">
             <a:extLst>
               <a:ext uri="{FF2B5EF4-FFF2-40B4-BE49-F238E27FC236}">
-                <a16:creationId xmlns:a16="http://schemas.microsoft.com/office/drawing/2014/main" xmlns="" id="{7BFB539C-DE9F-AE06-2CEE-281BD38EBC0B}"/>
+                <a16:creationId xmlns:a16="http://schemas.microsoft.com/office/drawing/2014/main" id="{7BFB539C-DE9F-AE06-2CEE-281BD38EBC0B}"/>
               </a:ext>
             </a:extLst>
           </p:cNvPr>
@@ -9785,7 +9188,7 @@
           <p:cNvPr id="2" name="Título 1">
             <a:extLst>
               <a:ext uri="{FF2B5EF4-FFF2-40B4-BE49-F238E27FC236}">
-                <a16:creationId xmlns:a16="http://schemas.microsoft.com/office/drawing/2014/main" xmlns="" id="{56C9AA8B-FC16-620C-6297-05CE9C5E95C3}"/>
+                <a16:creationId xmlns:a16="http://schemas.microsoft.com/office/drawing/2014/main" id="{56C9AA8B-FC16-620C-6297-05CE9C5E95C3}"/>
               </a:ext>
             </a:extLst>
           </p:cNvPr>
@@ -9818,7 +9221,7 @@
           <p:cNvPr id="3" name="Marcador de contenido 2">
             <a:extLst>
               <a:ext uri="{FF2B5EF4-FFF2-40B4-BE49-F238E27FC236}">
-                <a16:creationId xmlns:a16="http://schemas.microsoft.com/office/drawing/2014/main" xmlns="" id="{D014FFEA-D966-BD34-E234-D9CA4AFB7C91}"/>
+                <a16:creationId xmlns:a16="http://schemas.microsoft.com/office/drawing/2014/main" id="{D014FFEA-D966-BD34-E234-D9CA4AFB7C91}"/>
               </a:ext>
             </a:extLst>
           </p:cNvPr>
@@ -9918,7 +9321,7 @@
           <p:cNvPr id="2" name="Título 1">
             <a:extLst>
               <a:ext uri="{FF2B5EF4-FFF2-40B4-BE49-F238E27FC236}">
-                <a16:creationId xmlns:a16="http://schemas.microsoft.com/office/drawing/2014/main" xmlns="" id="{0D9A1D30-AA21-DA97-C027-B28910E790A5}"/>
+                <a16:creationId xmlns:a16="http://schemas.microsoft.com/office/drawing/2014/main" id="{0D9A1D30-AA21-DA97-C027-B28910E790A5}"/>
               </a:ext>
             </a:extLst>
           </p:cNvPr>
@@ -9952,7 +9355,7 @@
           <p:cNvPr id="5" name="Marcador de contenido 2">
             <a:extLst>
               <a:ext uri="{FF2B5EF4-FFF2-40B4-BE49-F238E27FC236}">
-                <a16:creationId xmlns:a16="http://schemas.microsoft.com/office/drawing/2014/main" xmlns="" id="{A2E7D744-BF32-5ABF-D97F-C468FB087576}"/>
+                <a16:creationId xmlns:a16="http://schemas.microsoft.com/office/drawing/2014/main" id="{A2E7D744-BF32-5ABF-D97F-C468FB087576}"/>
               </a:ext>
             </a:extLst>
           </p:cNvPr>
@@ -10148,7 +9551,7 @@
           <p:cNvPr id="8" name="Marcador de contenido 2">
             <a:extLst>
               <a:ext uri="{FF2B5EF4-FFF2-40B4-BE49-F238E27FC236}">
-                <a16:creationId xmlns:a16="http://schemas.microsoft.com/office/drawing/2014/main" xmlns="" id="{1CA28EF4-12AE-F8CC-178F-E2AA1EA4AE76}"/>
+                <a16:creationId xmlns:a16="http://schemas.microsoft.com/office/drawing/2014/main" id="{1CA28EF4-12AE-F8CC-178F-E2AA1EA4AE76}"/>
               </a:ext>
             </a:extLst>
           </p:cNvPr>
@@ -10344,7 +9747,7 @@
           <p:cNvPr id="10" name="Marcador de contenido 2">
             <a:extLst>
               <a:ext uri="{FF2B5EF4-FFF2-40B4-BE49-F238E27FC236}">
-                <a16:creationId xmlns:a16="http://schemas.microsoft.com/office/drawing/2014/main" xmlns="" id="{108C43E0-F6B9-C329-4DC0-4F887F6F7722}"/>
+                <a16:creationId xmlns:a16="http://schemas.microsoft.com/office/drawing/2014/main" id="{108C43E0-F6B9-C329-4DC0-4F887F6F7722}"/>
               </a:ext>
             </a:extLst>
           </p:cNvPr>
@@ -10536,7 +9939,7 @@
           <a:p>
             <a:r>
               <a:rPr lang="es-MX" dirty="0"/>
-              <a:t>Existen 634 cuerpos de agua contaminados, por tan solo 434 no contaminados.</a:t>
+              <a:t>Existen 634 cuerpos de agua no contaminados, por tan solo 434 contaminados.</a:t>
             </a:r>
           </a:p>
           <a:p>
@@ -10561,7 +9964,7 @@
           <p:cNvPr id="11" name="Gráfico 10">
             <a:extLst>
               <a:ext uri="{FF2B5EF4-FFF2-40B4-BE49-F238E27FC236}">
-                <a16:creationId xmlns:a16="http://schemas.microsoft.com/office/drawing/2014/main" xmlns="" id="{B402312E-0CC4-EB7B-D7FF-AC215E48E36C}"/>
+                <a16:creationId xmlns:a16="http://schemas.microsoft.com/office/drawing/2014/main" id="{B402312E-0CC4-EB7B-D7FF-AC215E48E36C}"/>
               </a:ext>
             </a:extLst>
           </p:cNvPr>
@@ -10619,7 +10022,7 @@
           <p:cNvPr id="2" name="Título 1">
             <a:extLst>
               <a:ext uri="{FF2B5EF4-FFF2-40B4-BE49-F238E27FC236}">
-                <a16:creationId xmlns:a16="http://schemas.microsoft.com/office/drawing/2014/main" xmlns="" id="{D0A8C26F-CF1E-5147-D87B-5D5248526EC2}"/>
+                <a16:creationId xmlns:a16="http://schemas.microsoft.com/office/drawing/2014/main" id="{D0A8C26F-CF1E-5147-D87B-5D5248526EC2}"/>
               </a:ext>
             </a:extLst>
           </p:cNvPr>
@@ -10654,7 +10057,7 @@
           <p:cNvPr id="3" name="Marcador de contenido 2">
             <a:extLst>
               <a:ext uri="{FF2B5EF4-FFF2-40B4-BE49-F238E27FC236}">
-                <a16:creationId xmlns:a16="http://schemas.microsoft.com/office/drawing/2014/main" xmlns="" id="{62A8B065-DD8E-E4A2-F8DF-4FFD3B3DFCAE}"/>
+                <a16:creationId xmlns:a16="http://schemas.microsoft.com/office/drawing/2014/main" id="{62A8B065-DD8E-E4A2-F8DF-4FFD3B3DFCAE}"/>
               </a:ext>
             </a:extLst>
           </p:cNvPr>
@@ -10754,7 +10157,7 @@
           <p:cNvPr id="2" name="Título 1">
             <a:extLst>
               <a:ext uri="{FF2B5EF4-FFF2-40B4-BE49-F238E27FC236}">
-                <a16:creationId xmlns:a16="http://schemas.microsoft.com/office/drawing/2014/main" xmlns="" id="{8E22D37D-C020-D609-04D7-66FE119B58B4}"/>
+                <a16:creationId xmlns:a16="http://schemas.microsoft.com/office/drawing/2014/main" id="{8E22D37D-C020-D609-04D7-66FE119B58B4}"/>
               </a:ext>
             </a:extLst>
           </p:cNvPr>
@@ -10792,7 +10195,7 @@
           <p:cNvPr id="3" name="Marcador de contenido 2">
             <a:extLst>
               <a:ext uri="{FF2B5EF4-FFF2-40B4-BE49-F238E27FC236}">
-                <a16:creationId xmlns:a16="http://schemas.microsoft.com/office/drawing/2014/main" xmlns="" id="{F2B9F111-1DC3-5423-0718-BBF5CB033C4E}"/>
+                <a16:creationId xmlns:a16="http://schemas.microsoft.com/office/drawing/2014/main" id="{F2B9F111-1DC3-5423-0718-BBF5CB033C4E}"/>
               </a:ext>
             </a:extLst>
           </p:cNvPr>
@@ -10837,15 +10240,7 @@
             <a:pPr lvl="1"/>
             <a:r>
               <a:rPr lang="es-MX" dirty="0"/>
-              <a:t>Para comenzar la limpieza de nuestros datos, se </a:t>
-            </a:r>
-            <a:r>
-              <a:rPr lang="es-MX" dirty="0" smtClean="0"/>
-              <a:t>comenzó definiendo </a:t>
-            </a:r>
-            <a:r>
-              <a:rPr lang="es-MX" dirty="0"/>
-              <a:t>diferentes subconjuntos de datos:</a:t>
+              <a:t>Para comenzar la limpieza de nuestros datos, se comenzó definiendo diferentes subconjuntos de datos:</a:t>
             </a:r>
           </a:p>
           <a:p>
@@ -10935,7 +10330,7 @@
           <p:cNvPr id="3" name="Marcador de contenido 2">
             <a:extLst>
               <a:ext uri="{FF2B5EF4-FFF2-40B4-BE49-F238E27FC236}">
-                <a16:creationId xmlns:a16="http://schemas.microsoft.com/office/drawing/2014/main" xmlns="" id="{5DEE43D9-8EA0-42E3-9DE1-23DAFB8DD8C1}"/>
+                <a16:creationId xmlns:a16="http://schemas.microsoft.com/office/drawing/2014/main" id="{5DEE43D9-8EA0-42E3-9DE1-23DAFB8DD8C1}"/>
               </a:ext>
             </a:extLst>
           </p:cNvPr>
@@ -11073,7 +10468,7 @@
           <p:cNvPr id="4" name="Imagen 3">
             <a:extLst>
               <a:ext uri="{FF2B5EF4-FFF2-40B4-BE49-F238E27FC236}">
-                <a16:creationId xmlns:a16="http://schemas.microsoft.com/office/drawing/2014/main" xmlns="" id="{11D62CE9-CA91-711E-F64D-FA186B7DE66A}"/>
+                <a16:creationId xmlns:a16="http://schemas.microsoft.com/office/drawing/2014/main" id="{11D62CE9-CA91-711E-F64D-FA186B7DE66A}"/>
               </a:ext>
             </a:extLst>
           </p:cNvPr>
@@ -11103,7 +10498,7 @@
           <p:cNvPr id="6" name="Imagen 5">
             <a:extLst>
               <a:ext uri="{FF2B5EF4-FFF2-40B4-BE49-F238E27FC236}">
-                <a16:creationId xmlns:a16="http://schemas.microsoft.com/office/drawing/2014/main" xmlns="" id="{DDF74BFA-7836-99E3-21D2-17D953360F9A}"/>
+                <a16:creationId xmlns:a16="http://schemas.microsoft.com/office/drawing/2014/main" id="{DDF74BFA-7836-99E3-21D2-17D953360F9A}"/>
               </a:ext>
             </a:extLst>
           </p:cNvPr>
@@ -11133,7 +10528,7 @@
           <p:cNvPr id="11" name="Imagen 10">
             <a:extLst>
               <a:ext uri="{FF2B5EF4-FFF2-40B4-BE49-F238E27FC236}">
-                <a16:creationId xmlns:a16="http://schemas.microsoft.com/office/drawing/2014/main" xmlns="" id="{9933EFAD-BE74-1A83-7A7C-898FECDEB926}"/>
+                <a16:creationId xmlns:a16="http://schemas.microsoft.com/office/drawing/2014/main" id="{9933EFAD-BE74-1A83-7A7C-898FECDEB926}"/>
               </a:ext>
             </a:extLst>
           </p:cNvPr>
@@ -11163,7 +10558,7 @@
           <p:cNvPr id="12" name="Título 1">
             <a:extLst>
               <a:ext uri="{FF2B5EF4-FFF2-40B4-BE49-F238E27FC236}">
-                <a16:creationId xmlns:a16="http://schemas.microsoft.com/office/drawing/2014/main" xmlns="" id="{F8F1775D-0239-E020-E2BC-A4BF5D2A99DA}"/>
+                <a16:creationId xmlns:a16="http://schemas.microsoft.com/office/drawing/2014/main" id="{F8F1775D-0239-E020-E2BC-A4BF5D2A99DA}"/>
               </a:ext>
             </a:extLst>
           </p:cNvPr>
@@ -11236,7 +10631,7 @@
           <p:cNvPr id="3" name="Marcador de contenido 2">
             <a:extLst>
               <a:ext uri="{FF2B5EF4-FFF2-40B4-BE49-F238E27FC236}">
-                <a16:creationId xmlns:a16="http://schemas.microsoft.com/office/drawing/2014/main" xmlns="" id="{5DEE43D9-8EA0-42E3-9DE1-23DAFB8DD8C1}"/>
+                <a16:creationId xmlns:a16="http://schemas.microsoft.com/office/drawing/2014/main" id="{5DEE43D9-8EA0-42E3-9DE1-23DAFB8DD8C1}"/>
               </a:ext>
             </a:extLst>
           </p:cNvPr>
@@ -11384,7 +10779,7 @@
           <p:cNvPr id="12" name="Título 1">
             <a:extLst>
               <a:ext uri="{FF2B5EF4-FFF2-40B4-BE49-F238E27FC236}">
-                <a16:creationId xmlns:a16="http://schemas.microsoft.com/office/drawing/2014/main" xmlns="" id="{F8F1775D-0239-E020-E2BC-A4BF5D2A99DA}"/>
+                <a16:creationId xmlns:a16="http://schemas.microsoft.com/office/drawing/2014/main" id="{F8F1775D-0239-E020-E2BC-A4BF5D2A99DA}"/>
               </a:ext>
             </a:extLst>
           </p:cNvPr>
@@ -11427,7 +10822,7 @@
           <p:cNvPr id="2" name="Imagen 1">
             <a:extLst>
               <a:ext uri="{FF2B5EF4-FFF2-40B4-BE49-F238E27FC236}">
-                <a16:creationId xmlns:a16="http://schemas.microsoft.com/office/drawing/2014/main" xmlns="" id="{08B4F982-748C-36F7-B1D2-EFA78CB28796}"/>
+                <a16:creationId xmlns:a16="http://schemas.microsoft.com/office/drawing/2014/main" id="{08B4F982-748C-36F7-B1D2-EFA78CB28796}"/>
               </a:ext>
             </a:extLst>
           </p:cNvPr>
@@ -11457,7 +10852,7 @@
           <p:cNvPr id="7" name="Imagen 6">
             <a:extLst>
               <a:ext uri="{FF2B5EF4-FFF2-40B4-BE49-F238E27FC236}">
-                <a16:creationId xmlns:a16="http://schemas.microsoft.com/office/drawing/2014/main" xmlns="" id="{9E9819B9-20E4-D1C7-52E0-870631F791A8}"/>
+                <a16:creationId xmlns:a16="http://schemas.microsoft.com/office/drawing/2014/main" id="{9E9819B9-20E4-D1C7-52E0-870631F791A8}"/>
               </a:ext>
             </a:extLst>
           </p:cNvPr>
@@ -11487,7 +10882,7 @@
           <p:cNvPr id="8" name="Imagen 7">
             <a:extLst>
               <a:ext uri="{FF2B5EF4-FFF2-40B4-BE49-F238E27FC236}">
-                <a16:creationId xmlns:a16="http://schemas.microsoft.com/office/drawing/2014/main" xmlns="" id="{D8ED77E5-8162-4413-867D-208EA23165D1}"/>
+                <a16:creationId xmlns:a16="http://schemas.microsoft.com/office/drawing/2014/main" id="{D8ED77E5-8162-4413-867D-208EA23165D1}"/>
               </a:ext>
             </a:extLst>
           </p:cNvPr>
@@ -11547,7 +10942,7 @@
           <p:cNvPr id="2" name="Título 1">
             <a:extLst>
               <a:ext uri="{FF2B5EF4-FFF2-40B4-BE49-F238E27FC236}">
-                <a16:creationId xmlns:a16="http://schemas.microsoft.com/office/drawing/2014/main" xmlns="" id="{0D508B6F-16CA-EBB7-156C-1D0BC207434E}"/>
+                <a16:creationId xmlns:a16="http://schemas.microsoft.com/office/drawing/2014/main" id="{0D508B6F-16CA-EBB7-156C-1D0BC207434E}"/>
               </a:ext>
             </a:extLst>
           </p:cNvPr>
@@ -11581,7 +10976,7 @@
           <p:cNvPr id="3" name="Marcador de contenido 2">
             <a:extLst>
               <a:ext uri="{FF2B5EF4-FFF2-40B4-BE49-F238E27FC236}">
-                <a16:creationId xmlns:a16="http://schemas.microsoft.com/office/drawing/2014/main" xmlns="" id="{0D3F3467-51B2-7D8E-1437-BDA81ADE484E}"/>
+                <a16:creationId xmlns:a16="http://schemas.microsoft.com/office/drawing/2014/main" id="{0D3F3467-51B2-7D8E-1437-BDA81ADE484E}"/>
               </a:ext>
             </a:extLst>
           </p:cNvPr>
@@ -11614,7 +11009,7 @@
           <p:cNvPr id="4" name="Imagen 3">
             <a:extLst>
               <a:ext uri="{FF2B5EF4-FFF2-40B4-BE49-F238E27FC236}">
-                <a16:creationId xmlns:a16="http://schemas.microsoft.com/office/drawing/2014/main" xmlns="" id="{472AC7B4-19E1-FCCB-4044-4B1AC3438089}"/>
+                <a16:creationId xmlns:a16="http://schemas.microsoft.com/office/drawing/2014/main" id="{472AC7B4-19E1-FCCB-4044-4B1AC3438089}"/>
               </a:ext>
             </a:extLst>
           </p:cNvPr>
@@ -11644,7 +11039,7 @@
           <p:cNvPr id="5" name="Imagen 4">
             <a:extLst>
               <a:ext uri="{FF2B5EF4-FFF2-40B4-BE49-F238E27FC236}">
-                <a16:creationId xmlns:a16="http://schemas.microsoft.com/office/drawing/2014/main" xmlns="" id="{3A55E9CC-2F0D-1CD4-AB07-F368026DF26A}"/>
+                <a16:creationId xmlns:a16="http://schemas.microsoft.com/office/drawing/2014/main" id="{3A55E9CC-2F0D-1CD4-AB07-F368026DF26A}"/>
               </a:ext>
             </a:extLst>
           </p:cNvPr>
@@ -11674,7 +11069,7 @@
           <p:cNvPr id="6" name="CuadroTexto 5">
             <a:extLst>
               <a:ext uri="{FF2B5EF4-FFF2-40B4-BE49-F238E27FC236}">
-                <a16:creationId xmlns:a16="http://schemas.microsoft.com/office/drawing/2014/main" xmlns="" id="{7337D0FF-34BB-E1A1-6B17-51F2F174831C}"/>
+                <a16:creationId xmlns:a16="http://schemas.microsoft.com/office/drawing/2014/main" id="{7337D0FF-34BB-E1A1-6B17-51F2F174831C}"/>
               </a:ext>
             </a:extLst>
           </p:cNvPr>
@@ -11710,7 +11105,7 @@
           <p:cNvPr id="7" name="CuadroTexto 6">
             <a:extLst>
               <a:ext uri="{FF2B5EF4-FFF2-40B4-BE49-F238E27FC236}">
-                <a16:creationId xmlns:a16="http://schemas.microsoft.com/office/drawing/2014/main" xmlns="" id="{92D51573-61C0-2438-6E34-3D0B1DAE0F0B}"/>
+                <a16:creationId xmlns:a16="http://schemas.microsoft.com/office/drawing/2014/main" id="{92D51573-61C0-2438-6E34-3D0B1DAE0F0B}"/>
               </a:ext>
             </a:extLst>
           </p:cNvPr>
@@ -11776,7 +11171,7 @@
           <p:cNvPr id="2" name="Título 1">
             <a:extLst>
               <a:ext uri="{FF2B5EF4-FFF2-40B4-BE49-F238E27FC236}">
-                <a16:creationId xmlns:a16="http://schemas.microsoft.com/office/drawing/2014/main" xmlns="" id="{B9D4947F-BB83-ADCD-AE6D-E74AFC2FB715}"/>
+                <a16:creationId xmlns:a16="http://schemas.microsoft.com/office/drawing/2014/main" id="{B9D4947F-BB83-ADCD-AE6D-E74AFC2FB715}"/>
               </a:ext>
             </a:extLst>
           </p:cNvPr>
@@ -11810,7 +11205,7 @@
           <p:cNvPr id="3" name="Marcador de contenido 2">
             <a:extLst>
               <a:ext uri="{FF2B5EF4-FFF2-40B4-BE49-F238E27FC236}">
-                <a16:creationId xmlns:a16="http://schemas.microsoft.com/office/drawing/2014/main" xmlns="" id="{72705430-D2B9-A687-8FD4-9DBFCEB00647}"/>
+                <a16:creationId xmlns:a16="http://schemas.microsoft.com/office/drawing/2014/main" id="{72705430-D2B9-A687-8FD4-9DBFCEB00647}"/>
               </a:ext>
             </a:extLst>
           </p:cNvPr>
@@ -11843,7 +11238,7 @@
           <p:cNvPr id="4" name="Imagen 3">
             <a:extLst>
               <a:ext uri="{FF2B5EF4-FFF2-40B4-BE49-F238E27FC236}">
-                <a16:creationId xmlns:a16="http://schemas.microsoft.com/office/drawing/2014/main" xmlns="" id="{8F3003F0-4737-E043-B253-42DEE3B2127C}"/>
+                <a16:creationId xmlns:a16="http://schemas.microsoft.com/office/drawing/2014/main" id="{8F3003F0-4737-E043-B253-42DEE3B2127C}"/>
               </a:ext>
             </a:extLst>
           </p:cNvPr>
@@ -11873,7 +11268,7 @@
           <p:cNvPr id="5" name="Imagen 4">
             <a:extLst>
               <a:ext uri="{FF2B5EF4-FFF2-40B4-BE49-F238E27FC236}">
-                <a16:creationId xmlns:a16="http://schemas.microsoft.com/office/drawing/2014/main" xmlns="" id="{0A9F48F2-35B0-A110-BB29-2BCAFC1835A9}"/>
+                <a16:creationId xmlns:a16="http://schemas.microsoft.com/office/drawing/2014/main" id="{0A9F48F2-35B0-A110-BB29-2BCAFC1835A9}"/>
               </a:ext>
             </a:extLst>
           </p:cNvPr>
@@ -12106,7 +11501,7 @@
   <a:extraClrSchemeLst/>
   <a:extLst>
     <a:ext uri="{05A4C25C-085E-4340-85A3-A5531E510DB2}">
-      <thm15:themeFamily xmlns:thm15="http://schemas.microsoft.com/office/thememl/2012/main" xmlns="" name="BlocksVTI" id="{31656FE6-20D8-4105-85EA-706EC9332BE9}" vid="{039DFFC9-9B25-4063-9235-B287A446F509}"/>
+      <thm15:themeFamily xmlns:thm15="http://schemas.microsoft.com/office/thememl/2012/main" name="BlocksVTI" id="{31656FE6-20D8-4105-85EA-706EC9332BE9}" vid="{039DFFC9-9B25-4063-9235-B287A446F509}"/>
     </a:ext>
   </a:extLst>
 </a:theme>
